--- a/SEIR model.pptx
+++ b/SEIR model.pptx
@@ -5,7 +5,7 @@
     <p:sldMasterId id="2147483648" r:id="rId1"/>
   </p:sldMasterIdLst>
   <p:notesMasterIdLst>
-    <p:notesMasterId r:id="rId18"/>
+    <p:notesMasterId r:id="rId21"/>
   </p:notesMasterIdLst>
   <p:sldIdLst>
     <p:sldId id="256" r:id="rId2"/>
@@ -18,12 +18,15 @@
     <p:sldId id="262" r:id="rId9"/>
     <p:sldId id="263" r:id="rId10"/>
     <p:sldId id="264" r:id="rId11"/>
-    <p:sldId id="266" r:id="rId12"/>
-    <p:sldId id="267" r:id="rId13"/>
-    <p:sldId id="268" r:id="rId14"/>
-    <p:sldId id="269" r:id="rId15"/>
-    <p:sldId id="270" r:id="rId16"/>
-    <p:sldId id="271" r:id="rId17"/>
+    <p:sldId id="272" r:id="rId12"/>
+    <p:sldId id="266" r:id="rId13"/>
+    <p:sldId id="267" r:id="rId14"/>
+    <p:sldId id="268" r:id="rId15"/>
+    <p:sldId id="269" r:id="rId16"/>
+    <p:sldId id="270" r:id="rId17"/>
+    <p:sldId id="271" r:id="rId18"/>
+    <p:sldId id="273" r:id="rId19"/>
+    <p:sldId id="274" r:id="rId20"/>
   </p:sldIdLst>
   <p:sldSz cx="12192000" cy="6858000"/>
   <p:notesSz cx="6858000" cy="9144000"/>
@@ -523,6 +526,90 @@
           <a:bodyPr/>
           <a:lstStyle/>
           <a:p>
+            <a:endParaRPr lang="en-US" dirty="0"/>
+          </a:p>
+        </p:txBody>
+      </p:sp>
+      <p:sp>
+        <p:nvSpPr>
+          <p:cNvPr id="4" name="Slide Number Placeholder 3"/>
+          <p:cNvSpPr>
+            <a:spLocks noGrp="1"/>
+          </p:cNvSpPr>
+          <p:nvPr>
+            <p:ph type="sldNum" sz="quarter" idx="5"/>
+          </p:nvPr>
+        </p:nvSpPr>
+        <p:spPr/>
+        <p:txBody>
+          <a:bodyPr/>
+          <a:lstStyle/>
+          <a:p>
+            <a:fld id="{E5C88558-C1E5-2342-A810-49D45B9050EB}" type="slidenum">
+              <a:rPr lang="en-US" smtClean="0"/>
+              <a:t>10</a:t>
+            </a:fld>
+            <a:endParaRPr lang="en-US"/>
+          </a:p>
+        </p:txBody>
+      </p:sp>
+    </p:spTree>
+    <p:extLst>
+      <p:ext uri="{BB962C8B-B14F-4D97-AF65-F5344CB8AC3E}">
+        <p14:creationId xmlns:p14="http://schemas.microsoft.com/office/powerpoint/2010/main" val="2983785860"/>
+      </p:ext>
+    </p:extLst>
+  </p:cSld>
+  <p:clrMapOvr>
+    <a:masterClrMapping/>
+  </p:clrMapOvr>
+</p:notes>
+</file>
+
+<file path=ppt/notesSlides/notesSlide2.xml><?xml version="1.0" encoding="utf-8"?>
+<p:notes xmlns:a="http://schemas.openxmlformats.org/drawingml/2006/main" xmlns:r="http://schemas.openxmlformats.org/officeDocument/2006/relationships" xmlns:p="http://schemas.openxmlformats.org/presentationml/2006/main">
+  <p:cSld>
+    <p:spTree>
+      <p:nvGrpSpPr>
+        <p:cNvPr id="1" name=""/>
+        <p:cNvGrpSpPr/>
+        <p:nvPr/>
+      </p:nvGrpSpPr>
+      <p:grpSpPr>
+        <a:xfrm>
+          <a:off x="0" y="0"/>
+          <a:ext cx="0" cy="0"/>
+          <a:chOff x="0" y="0"/>
+          <a:chExt cx="0" cy="0"/>
+        </a:xfrm>
+      </p:grpSpPr>
+      <p:sp>
+        <p:nvSpPr>
+          <p:cNvPr id="2" name="Slide Image Placeholder 1"/>
+          <p:cNvSpPr>
+            <a:spLocks noGrp="1" noRot="1" noChangeAspect="1"/>
+          </p:cNvSpPr>
+          <p:nvPr>
+            <p:ph type="sldImg"/>
+          </p:nvPr>
+        </p:nvSpPr>
+        <p:spPr/>
+      </p:sp>
+      <p:sp>
+        <p:nvSpPr>
+          <p:cNvPr id="3" name="Notes Placeholder 2"/>
+          <p:cNvSpPr>
+            <a:spLocks noGrp="1"/>
+          </p:cNvSpPr>
+          <p:nvPr>
+            <p:ph type="body" idx="1"/>
+          </p:nvPr>
+        </p:nvSpPr>
+        <p:spPr/>
+        <p:txBody>
+          <a:bodyPr/>
+          <a:lstStyle/>
+          <a:p>
             <a:pPr marL="0" marR="0" lvl="0" indent="0" algn="l" defTabSz="914400" rtl="0" eaLnBrk="1" fontAlgn="auto" latinLnBrk="0" hangingPunct="1">
               <a:lnSpc>
                 <a:spcPct val="100000"/>
@@ -567,7 +654,7 @@
           <a:p>
             <a:fld id="{E5C88558-C1E5-2342-A810-49D45B9050EB}" type="slidenum">
               <a:rPr lang="en-US" smtClean="0"/>
-              <a:t>12</a:t>
+              <a:t>13</a:t>
             </a:fld>
             <a:endParaRPr lang="en-US"/>
           </a:p>
@@ -4090,7 +4177,7 @@
             </p:nvSpPr>
             <p:spPr>
               <a:blipFill>
-                <a:blip r:embed="rId2"/>
+                <a:blip r:embed="rId3"/>
                 <a:stretch>
                   <a:fillRect l="-1086" t="-2326" r="-603"/>
                 </a:stretch>
@@ -4125,6 +4212,128 @@
 </file>
 
 <file path=ppt/slides/slide11.xml><?xml version="1.0" encoding="utf-8"?>
+<p:sld xmlns:a="http://schemas.openxmlformats.org/drawingml/2006/main" xmlns:r="http://schemas.openxmlformats.org/officeDocument/2006/relationships" xmlns:p="http://schemas.openxmlformats.org/presentationml/2006/main">
+  <p:cSld>
+    <p:spTree>
+      <p:nvGrpSpPr>
+        <p:cNvPr id="1" name=""/>
+        <p:cNvGrpSpPr/>
+        <p:nvPr/>
+      </p:nvGrpSpPr>
+      <p:grpSpPr>
+        <a:xfrm>
+          <a:off x="0" y="0"/>
+          <a:ext cx="0" cy="0"/>
+          <a:chOff x="0" y="0"/>
+          <a:chExt cx="0" cy="0"/>
+        </a:xfrm>
+      </p:grpSpPr>
+      <p:sp>
+        <p:nvSpPr>
+          <p:cNvPr id="2" name="Title 1">
+            <a:extLst>
+              <a:ext uri="{FF2B5EF4-FFF2-40B4-BE49-F238E27FC236}">
+                <a16:creationId xmlns:a16="http://schemas.microsoft.com/office/drawing/2014/main" id="{77D48652-D750-72DA-4494-E536C60B882C}"/>
+              </a:ext>
+            </a:extLst>
+          </p:cNvPr>
+          <p:cNvSpPr>
+            <a:spLocks noGrp="1"/>
+          </p:cNvSpPr>
+          <p:nvPr>
+            <p:ph type="title"/>
+          </p:nvPr>
+        </p:nvSpPr>
+        <p:spPr/>
+        <p:txBody>
+          <a:bodyPr/>
+          <a:lstStyle/>
+          <a:p>
+            <a:r>
+              <a:rPr lang="en-US" dirty="0"/>
+              <a:t>How does our model look like?</a:t>
+            </a:r>
+          </a:p>
+        </p:txBody>
+      </p:sp>
+      <p:sp>
+        <p:nvSpPr>
+          <p:cNvPr id="3" name="Content Placeholder 2">
+            <a:extLst>
+              <a:ext uri="{FF2B5EF4-FFF2-40B4-BE49-F238E27FC236}">
+                <a16:creationId xmlns:a16="http://schemas.microsoft.com/office/drawing/2014/main" id="{87D2C9BD-AEE3-132B-83B0-6BF0A88D5EA2}"/>
+              </a:ext>
+            </a:extLst>
+          </p:cNvPr>
+          <p:cNvSpPr>
+            <a:spLocks noGrp="1"/>
+          </p:cNvSpPr>
+          <p:nvPr>
+            <p:ph idx="1"/>
+          </p:nvPr>
+        </p:nvSpPr>
+        <p:spPr/>
+        <p:txBody>
+          <a:bodyPr/>
+          <a:lstStyle/>
+          <a:p>
+            <a:r>
+              <a:rPr lang="en-US" dirty="0"/>
+              <a:t>This is how the number of transmissive individuals might look like.</a:t>
+            </a:r>
+          </a:p>
+          <a:p>
+            <a:r>
+              <a:rPr lang="en-US" dirty="0"/>
+              <a:t>Color indicates the number of cases.</a:t>
+            </a:r>
+          </a:p>
+        </p:txBody>
+      </p:sp>
+      <p:pic>
+        <p:nvPicPr>
+          <p:cNvPr id="6" name="Picture 5" descr="Chart, bar chart&#10;&#10;Description automatically generated">
+            <a:extLst>
+              <a:ext uri="{FF2B5EF4-FFF2-40B4-BE49-F238E27FC236}">
+                <a16:creationId xmlns:a16="http://schemas.microsoft.com/office/drawing/2014/main" id="{B9E8E34B-27F6-6ABA-9ABF-8F96DA71FB9F}"/>
+              </a:ext>
+            </a:extLst>
+          </p:cNvPr>
+          <p:cNvPicPr>
+            <a:picLocks noChangeAspect="1"/>
+          </p:cNvPicPr>
+          <p:nvPr/>
+        </p:nvPicPr>
+        <p:blipFill>
+          <a:blip r:embed="rId2"/>
+          <a:stretch>
+            <a:fillRect/>
+          </a:stretch>
+        </p:blipFill>
+        <p:spPr>
+          <a:xfrm>
+            <a:off x="729342" y="3429000"/>
+            <a:ext cx="10733315" cy="2683329"/>
+          </a:xfrm>
+          <a:prstGeom prst="rect">
+            <a:avLst/>
+          </a:prstGeom>
+        </p:spPr>
+      </p:pic>
+    </p:spTree>
+    <p:extLst>
+      <p:ext uri="{BB962C8B-B14F-4D97-AF65-F5344CB8AC3E}">
+        <p14:creationId xmlns:p14="http://schemas.microsoft.com/office/powerpoint/2010/main" val="2281104595"/>
+      </p:ext>
+    </p:extLst>
+  </p:cSld>
+  <p:clrMapOvr>
+    <a:masterClrMapping/>
+  </p:clrMapOvr>
+</p:sld>
+</file>
+
+<file path=ppt/slides/slide12.xml><?xml version="1.0" encoding="utf-8"?>
 <p:sld xmlns:a="http://schemas.openxmlformats.org/drawingml/2006/main" xmlns:r="http://schemas.openxmlformats.org/officeDocument/2006/relationships" xmlns:p="http://schemas.openxmlformats.org/presentationml/2006/main">
   <p:cSld>
     <p:spTree>
@@ -4473,7 +4682,7 @@
 </p:sld>
 </file>
 
-<file path=ppt/slides/slide12.xml><?xml version="1.0" encoding="utf-8"?>
+<file path=ppt/slides/slide13.xml><?xml version="1.0" encoding="utf-8"?>
 <p:sld xmlns:a="http://schemas.openxmlformats.org/drawingml/2006/main" xmlns:r="http://schemas.openxmlformats.org/officeDocument/2006/relationships" xmlns:p="http://schemas.openxmlformats.org/presentationml/2006/main">
   <p:cSld>
     <p:spTree>
@@ -4764,7 +4973,7 @@
 </p:sld>
 </file>
 
-<file path=ppt/slides/slide13.xml><?xml version="1.0" encoding="utf-8"?>
+<file path=ppt/slides/slide14.xml><?xml version="1.0" encoding="utf-8"?>
 <p:sld xmlns:a="http://schemas.openxmlformats.org/drawingml/2006/main" xmlns:r="http://schemas.openxmlformats.org/officeDocument/2006/relationships" xmlns:p="http://schemas.openxmlformats.org/presentationml/2006/main">
   <p:cSld>
     <p:spTree>
@@ -5046,7 +5255,7 @@
 </p:sld>
 </file>
 
-<file path=ppt/slides/slide14.xml><?xml version="1.0" encoding="utf-8"?>
+<file path=ppt/slides/slide15.xml><?xml version="1.0" encoding="utf-8"?>
 <p:sld xmlns:a="http://schemas.openxmlformats.org/drawingml/2006/main" xmlns:r="http://schemas.openxmlformats.org/officeDocument/2006/relationships" xmlns:p="http://schemas.openxmlformats.org/presentationml/2006/main">
   <p:cSld>
     <p:spTree>
@@ -5366,7 +5575,7 @@
 </p:sld>
 </file>
 
-<file path=ppt/slides/slide15.xml><?xml version="1.0" encoding="utf-8"?>
+<file path=ppt/slides/slide16.xml><?xml version="1.0" encoding="utf-8"?>
 <p:sld xmlns:a="http://schemas.openxmlformats.org/drawingml/2006/main" xmlns:r="http://schemas.openxmlformats.org/officeDocument/2006/relationships" xmlns:p="http://schemas.openxmlformats.org/presentationml/2006/main">
   <p:cSld>
     <p:spTree>
@@ -5653,7 +5862,7 @@
 </p:sld>
 </file>
 
-<file path=ppt/slides/slide16.xml><?xml version="1.0" encoding="utf-8"?>
+<file path=ppt/slides/slide17.xml><?xml version="1.0" encoding="utf-8"?>
 <p:sld xmlns:a="http://schemas.openxmlformats.org/drawingml/2006/main" xmlns:r="http://schemas.openxmlformats.org/officeDocument/2006/relationships" xmlns:p="http://schemas.openxmlformats.org/presentationml/2006/main">
   <p:cSld>
     <p:spTree>
@@ -5719,14 +5928,360 @@
           <a:bodyPr/>
           <a:lstStyle/>
           <a:p>
-            <a:endParaRPr lang="en-US" dirty="0"/>
-          </a:p>
-        </p:txBody>
-      </p:sp>
+            <a:r>
+              <a:rPr lang="en-US" dirty="0"/>
+              <a:t>We</a:t>
+            </a:r>
+            <a:r>
+              <a:rPr lang="zh-CN" altLang="en-US" dirty="0"/>
+              <a:t> </a:t>
+            </a:r>
+            <a:r>
+              <a:rPr lang="en-US" altLang="zh-CN" dirty="0"/>
+              <a:t>modelled</a:t>
+            </a:r>
+            <a:r>
+              <a:rPr lang="zh-CN" altLang="en-US" dirty="0"/>
+              <a:t> </a:t>
+            </a:r>
+            <a:r>
+              <a:rPr lang="en-CA" altLang="zh-CN" dirty="0"/>
+              <a:t>the number of commute</a:t>
+            </a:r>
+            <a:r>
+              <a:rPr lang="zh-CN" altLang="en-US" dirty="0"/>
+              <a:t> </a:t>
+            </a:r>
+            <a:r>
+              <a:rPr lang="en-CA" altLang="zh-CN" dirty="0"/>
+              <a:t>let’s consider the following array.</a:t>
+            </a:r>
+          </a:p>
+          <a:p>
+            <a:endParaRPr lang="en-CA" dirty="0"/>
+          </a:p>
+          <a:p>
+            <a:endParaRPr lang="en-CA" dirty="0"/>
+          </a:p>
+          <a:p>
+            <a:endParaRPr lang="en-CA" dirty="0"/>
+          </a:p>
+          <a:p>
+            <a:endParaRPr lang="en-CA" dirty="0"/>
+          </a:p>
+          <a:p>
+            <a:endParaRPr lang="en-CA" dirty="0"/>
+          </a:p>
+          <a:p>
+            <a:r>
+              <a:rPr lang="en-US" dirty="0"/>
+              <a:t>Assume the first row is the number of local-worker, and the second array is. The number of commuting workers.</a:t>
+            </a:r>
+          </a:p>
+        </p:txBody>
+      </p:sp>
+      <p:pic>
+        <p:nvPicPr>
+          <p:cNvPr id="5" name="Picture 4" descr="Chart, treemap chart&#10;&#10;Description automatically generated">
+            <a:extLst>
+              <a:ext uri="{FF2B5EF4-FFF2-40B4-BE49-F238E27FC236}">
+                <a16:creationId xmlns:a16="http://schemas.microsoft.com/office/drawing/2014/main" id="{AF59D6E6-67B7-1481-908B-006BFF69B094}"/>
+              </a:ext>
+            </a:extLst>
+          </p:cNvPr>
+          <p:cNvPicPr>
+            <a:picLocks noChangeAspect="1"/>
+          </p:cNvPicPr>
+          <p:nvPr/>
+        </p:nvPicPr>
+        <p:blipFill>
+          <a:blip r:embed="rId2"/>
+          <a:stretch>
+            <a:fillRect/>
+          </a:stretch>
+        </p:blipFill>
+        <p:spPr>
+          <a:xfrm>
+            <a:off x="1295404" y="2801145"/>
+            <a:ext cx="9601192" cy="2400298"/>
+          </a:xfrm>
+          <a:prstGeom prst="rect">
+            <a:avLst/>
+          </a:prstGeom>
+        </p:spPr>
+      </p:pic>
     </p:spTree>
     <p:extLst>
       <p:ext uri="{BB962C8B-B14F-4D97-AF65-F5344CB8AC3E}">
         <p14:creationId xmlns:p14="http://schemas.microsoft.com/office/powerpoint/2010/main" val="620911577"/>
+      </p:ext>
+    </p:extLst>
+  </p:cSld>
+  <p:clrMapOvr>
+    <a:masterClrMapping/>
+  </p:clrMapOvr>
+</p:sld>
+</file>
+
+<file path=ppt/slides/slide18.xml><?xml version="1.0" encoding="utf-8"?>
+<p:sld xmlns:a="http://schemas.openxmlformats.org/drawingml/2006/main" xmlns:r="http://schemas.openxmlformats.org/officeDocument/2006/relationships" xmlns:p="http://schemas.openxmlformats.org/presentationml/2006/main">
+  <p:cSld>
+    <p:spTree>
+      <p:nvGrpSpPr>
+        <p:cNvPr id="1" name=""/>
+        <p:cNvGrpSpPr/>
+        <p:nvPr/>
+      </p:nvGrpSpPr>
+      <p:grpSpPr>
+        <a:xfrm>
+          <a:off x="0" y="0"/>
+          <a:ext cx="0" cy="0"/>
+          <a:chOff x="0" y="0"/>
+          <a:chExt cx="0" cy="0"/>
+        </a:xfrm>
+      </p:grpSpPr>
+      <p:sp>
+        <p:nvSpPr>
+          <p:cNvPr id="2" name="Title 1">
+            <a:extLst>
+              <a:ext uri="{FF2B5EF4-FFF2-40B4-BE49-F238E27FC236}">
+                <a16:creationId xmlns:a16="http://schemas.microsoft.com/office/drawing/2014/main" id="{32E051FB-0F45-906E-8308-596EE44502AA}"/>
+              </a:ext>
+            </a:extLst>
+          </p:cNvPr>
+          <p:cNvSpPr>
+            <a:spLocks noGrp="1"/>
+          </p:cNvSpPr>
+          <p:nvPr>
+            <p:ph type="title"/>
+          </p:nvPr>
+        </p:nvSpPr>
+        <p:spPr/>
+        <p:txBody>
+          <a:bodyPr/>
+          <a:lstStyle/>
+          <a:p>
+            <a:r>
+              <a:rPr lang="en-US" dirty="0"/>
+              <a:t>Commutation – cont.</a:t>
+            </a:r>
+          </a:p>
+        </p:txBody>
+      </p:sp>
+      <p:sp>
+        <p:nvSpPr>
+          <p:cNvPr id="3" name="Content Placeholder 2">
+            <a:extLst>
+              <a:ext uri="{FF2B5EF4-FFF2-40B4-BE49-F238E27FC236}">
+                <a16:creationId xmlns:a16="http://schemas.microsoft.com/office/drawing/2014/main" id="{1B975EEA-E412-7DEB-4B34-6E0889525066}"/>
+              </a:ext>
+            </a:extLst>
+          </p:cNvPr>
+          <p:cNvSpPr>
+            <a:spLocks noGrp="1"/>
+          </p:cNvSpPr>
+          <p:nvPr>
+            <p:ph idx="1"/>
+          </p:nvPr>
+        </p:nvSpPr>
+        <p:spPr/>
+        <p:txBody>
+          <a:bodyPr/>
+          <a:lstStyle/>
+          <a:p>
+            <a:pPr marL="0" indent="0">
+              <a:buNone/>
+            </a:pPr>
+            <a:endParaRPr lang="en-US" dirty="0"/>
+          </a:p>
+          <a:p>
+            <a:pPr marL="0" indent="0">
+              <a:buNone/>
+            </a:pPr>
+            <a:endParaRPr lang="en-US" dirty="0"/>
+          </a:p>
+          <a:p>
+            <a:pPr marL="0" indent="0">
+              <a:buNone/>
+            </a:pPr>
+            <a:endParaRPr lang="en-US" dirty="0"/>
+          </a:p>
+          <a:p>
+            <a:r>
+              <a:rPr lang="en-US" dirty="0"/>
+              <a:t>Now, we reshape the second row into a 528 * 16 </a:t>
+            </a:r>
+            <a:r>
+              <a:rPr lang="en-US" dirty="0" err="1"/>
+              <a:t>np.array</a:t>
+            </a:r>
+            <a:r>
+              <a:rPr lang="en-US" dirty="0"/>
+              <a:t>, where the sum of each row is corresponding to the entry of the, for example:</a:t>
+            </a:r>
+          </a:p>
+        </p:txBody>
+      </p:sp>
+      <p:pic>
+        <p:nvPicPr>
+          <p:cNvPr id="4" name="Picture 3" descr="Chart, treemap chart&#10;&#10;Description automatically generated">
+            <a:extLst>
+              <a:ext uri="{FF2B5EF4-FFF2-40B4-BE49-F238E27FC236}">
+                <a16:creationId xmlns:a16="http://schemas.microsoft.com/office/drawing/2014/main" id="{2B937642-1944-53D8-B3AB-5965321BFA44}"/>
+              </a:ext>
+            </a:extLst>
+          </p:cNvPr>
+          <p:cNvPicPr>
+            <a:picLocks noChangeAspect="1"/>
+          </p:cNvPicPr>
+          <p:nvPr/>
+        </p:nvPicPr>
+        <p:blipFill>
+          <a:blip r:embed="rId2"/>
+          <a:stretch>
+            <a:fillRect/>
+          </a:stretch>
+        </p:blipFill>
+        <p:spPr>
+          <a:xfrm>
+            <a:off x="2070102" y="1310925"/>
+            <a:ext cx="8051796" cy="2012949"/>
+          </a:xfrm>
+          <a:prstGeom prst="rect">
+            <a:avLst/>
+          </a:prstGeom>
+        </p:spPr>
+      </p:pic>
+      <p:pic>
+        <p:nvPicPr>
+          <p:cNvPr id="6" name="Picture 5">
+            <a:extLst>
+              <a:ext uri="{FF2B5EF4-FFF2-40B4-BE49-F238E27FC236}">
+                <a16:creationId xmlns:a16="http://schemas.microsoft.com/office/drawing/2014/main" id="{97E98DD6-6613-309B-C156-ADC483D46E41}"/>
+              </a:ext>
+            </a:extLst>
+          </p:cNvPr>
+          <p:cNvPicPr>
+            <a:picLocks noChangeAspect="1"/>
+          </p:cNvPicPr>
+          <p:nvPr/>
+        </p:nvPicPr>
+        <p:blipFill>
+          <a:blip r:embed="rId3"/>
+          <a:stretch>
+            <a:fillRect/>
+          </a:stretch>
+        </p:blipFill>
+        <p:spPr>
+          <a:xfrm>
+            <a:off x="2209800" y="4269674"/>
+            <a:ext cx="7772400" cy="2068285"/>
+          </a:xfrm>
+          <a:prstGeom prst="rect">
+            <a:avLst/>
+          </a:prstGeom>
+        </p:spPr>
+      </p:pic>
+    </p:spTree>
+    <p:extLst>
+      <p:ext uri="{BB962C8B-B14F-4D97-AF65-F5344CB8AC3E}">
+        <p14:creationId xmlns:p14="http://schemas.microsoft.com/office/powerpoint/2010/main" val="2819050252"/>
+      </p:ext>
+    </p:extLst>
+  </p:cSld>
+  <p:clrMapOvr>
+    <a:masterClrMapping/>
+  </p:clrMapOvr>
+</p:sld>
+</file>
+
+<file path=ppt/slides/slide19.xml><?xml version="1.0" encoding="utf-8"?>
+<p:sld xmlns:a="http://schemas.openxmlformats.org/drawingml/2006/main" xmlns:r="http://schemas.openxmlformats.org/officeDocument/2006/relationships" xmlns:p="http://schemas.openxmlformats.org/presentationml/2006/main">
+  <p:cSld>
+    <p:spTree>
+      <p:nvGrpSpPr>
+        <p:cNvPr id="1" name=""/>
+        <p:cNvGrpSpPr/>
+        <p:nvPr/>
+      </p:nvGrpSpPr>
+      <p:grpSpPr>
+        <a:xfrm>
+          <a:off x="0" y="0"/>
+          <a:ext cx="0" cy="0"/>
+          <a:chOff x="0" y="0"/>
+          <a:chExt cx="0" cy="0"/>
+        </a:xfrm>
+      </p:grpSpPr>
+      <p:sp>
+        <p:nvSpPr>
+          <p:cNvPr id="2" name="Title 1">
+            <a:extLst>
+              <a:ext uri="{FF2B5EF4-FFF2-40B4-BE49-F238E27FC236}">
+                <a16:creationId xmlns:a16="http://schemas.microsoft.com/office/drawing/2014/main" id="{32E051FB-0F45-906E-8308-596EE44502AA}"/>
+              </a:ext>
+            </a:extLst>
+          </p:cNvPr>
+          <p:cNvSpPr>
+            <a:spLocks noGrp="1"/>
+          </p:cNvSpPr>
+          <p:nvPr>
+            <p:ph type="title"/>
+          </p:nvPr>
+        </p:nvSpPr>
+        <p:spPr/>
+        <p:txBody>
+          <a:bodyPr/>
+          <a:lstStyle/>
+          <a:p>
+            <a:r>
+              <a:rPr lang="en-US" dirty="0"/>
+              <a:t>Commutation – cont.</a:t>
+            </a:r>
+          </a:p>
+        </p:txBody>
+      </p:sp>
+      <p:sp>
+        <p:nvSpPr>
+          <p:cNvPr id="3" name="Content Placeholder 2">
+            <a:extLst>
+              <a:ext uri="{FF2B5EF4-FFF2-40B4-BE49-F238E27FC236}">
+                <a16:creationId xmlns:a16="http://schemas.microsoft.com/office/drawing/2014/main" id="{1B975EEA-E412-7DEB-4B34-6E0889525066}"/>
+              </a:ext>
+            </a:extLst>
+          </p:cNvPr>
+          <p:cNvSpPr>
+            <a:spLocks noGrp="1"/>
+          </p:cNvSpPr>
+          <p:nvPr>
+            <p:ph idx="1"/>
+          </p:nvPr>
+        </p:nvSpPr>
+        <p:spPr/>
+        <p:txBody>
+          <a:bodyPr/>
+          <a:lstStyle/>
+          <a:p>
+            <a:r>
+              <a:rPr lang="en-US" dirty="0"/>
+              <a:t>Intuitively</a:t>
+            </a:r>
+            <a:r>
+              <a:rPr lang="en-US" altLang="zh-CN" dirty="0"/>
+              <a:t>, the in-coming commuters is also a 528 * 16 matrix. Such matrix will be reshaped (merged) into a 16-dimensional vector, and will be used to calculate the number of new cases.</a:t>
+            </a:r>
+          </a:p>
+          <a:p>
+            <a:r>
+              <a:rPr lang="en-US" altLang="zh-CN" dirty="0"/>
+              <a:t>The number of new cases will then be re-distributed according to the weight of each entry (detailed description in supplementary material).</a:t>
+            </a:r>
+          </a:p>
+        </p:txBody>
+      </p:sp>
+    </p:spTree>
+    <p:extLst>
+      <p:ext uri="{BB962C8B-B14F-4D97-AF65-F5344CB8AC3E}">
+        <p14:creationId xmlns:p14="http://schemas.microsoft.com/office/powerpoint/2010/main" val="2236853956"/>
       </p:ext>
     </p:extLst>
   </p:cSld>

--- a/SEIR model.pptx
+++ b/SEIR model.pptx
@@ -5,7 +5,7 @@
     <p:sldMasterId id="2147483648" r:id="rId1"/>
   </p:sldMasterIdLst>
   <p:notesMasterIdLst>
-    <p:notesMasterId r:id="rId21"/>
+    <p:notesMasterId r:id="rId22"/>
   </p:notesMasterIdLst>
   <p:sldIdLst>
     <p:sldId id="256" r:id="rId2"/>
@@ -24,9 +24,10 @@
     <p:sldId id="268" r:id="rId15"/>
     <p:sldId id="269" r:id="rId16"/>
     <p:sldId id="270" r:id="rId17"/>
-    <p:sldId id="271" r:id="rId18"/>
-    <p:sldId id="273" r:id="rId19"/>
-    <p:sldId id="274" r:id="rId20"/>
+    <p:sldId id="275" r:id="rId18"/>
+    <p:sldId id="271" r:id="rId19"/>
+    <p:sldId id="273" r:id="rId20"/>
+    <p:sldId id="274" r:id="rId21"/>
   </p:sldIdLst>
   <p:sldSz cx="12192000" cy="6858000"/>
   <p:notesSz cx="6858000" cy="9144000"/>
@@ -215,7 +216,7 @@
           <a:p>
             <a:fld id="{26280D66-0EB7-024E-8491-F8464CD491F4}" type="datetimeFigureOut">
               <a:rPr lang="en-US" smtClean="0"/>
-              <a:t>8/27/22</a:t>
+              <a:t>8/28/2022</a:t>
             </a:fld>
             <a:endParaRPr lang="en-US"/>
           </a:p>
@@ -820,7 +821,7 @@
           <a:p>
             <a:fld id="{0D328F58-13AA-FD42-A8F4-EA7545CD92C6}" type="datetimeFigureOut">
               <a:rPr lang="en-US" smtClean="0"/>
-              <a:t>8/27/22</a:t>
+              <a:t>8/28/2022</a:t>
             </a:fld>
             <a:endParaRPr lang="en-US"/>
           </a:p>
@@ -1018,7 +1019,7 @@
           <a:p>
             <a:fld id="{0D328F58-13AA-FD42-A8F4-EA7545CD92C6}" type="datetimeFigureOut">
               <a:rPr lang="en-US" smtClean="0"/>
-              <a:t>8/27/22</a:t>
+              <a:t>8/28/2022</a:t>
             </a:fld>
             <a:endParaRPr lang="en-US"/>
           </a:p>
@@ -1226,7 +1227,7 @@
           <a:p>
             <a:fld id="{0D328F58-13AA-FD42-A8F4-EA7545CD92C6}" type="datetimeFigureOut">
               <a:rPr lang="en-US" smtClean="0"/>
-              <a:t>8/27/22</a:t>
+              <a:t>8/28/2022</a:t>
             </a:fld>
             <a:endParaRPr lang="en-US"/>
           </a:p>
@@ -1424,7 +1425,7 @@
           <a:p>
             <a:fld id="{0D328F58-13AA-FD42-A8F4-EA7545CD92C6}" type="datetimeFigureOut">
               <a:rPr lang="en-US" smtClean="0"/>
-              <a:t>8/27/22</a:t>
+              <a:t>8/28/2022</a:t>
             </a:fld>
             <a:endParaRPr lang="en-US"/>
           </a:p>
@@ -1699,7 +1700,7 @@
           <a:p>
             <a:fld id="{0D328F58-13AA-FD42-A8F4-EA7545CD92C6}" type="datetimeFigureOut">
               <a:rPr lang="en-US" smtClean="0"/>
-              <a:t>8/27/22</a:t>
+              <a:t>8/28/2022</a:t>
             </a:fld>
             <a:endParaRPr lang="en-US"/>
           </a:p>
@@ -1964,7 +1965,7 @@
           <a:p>
             <a:fld id="{0D328F58-13AA-FD42-A8F4-EA7545CD92C6}" type="datetimeFigureOut">
               <a:rPr lang="en-US" smtClean="0"/>
-              <a:t>8/27/22</a:t>
+              <a:t>8/28/2022</a:t>
             </a:fld>
             <a:endParaRPr lang="en-US"/>
           </a:p>
@@ -2376,7 +2377,7 @@
           <a:p>
             <a:fld id="{0D328F58-13AA-FD42-A8F4-EA7545CD92C6}" type="datetimeFigureOut">
               <a:rPr lang="en-US" smtClean="0"/>
-              <a:t>8/27/22</a:t>
+              <a:t>8/28/2022</a:t>
             </a:fld>
             <a:endParaRPr lang="en-US"/>
           </a:p>
@@ -2517,7 +2518,7 @@
           <a:p>
             <a:fld id="{0D328F58-13AA-FD42-A8F4-EA7545CD92C6}" type="datetimeFigureOut">
               <a:rPr lang="en-US" smtClean="0"/>
-              <a:t>8/27/22</a:t>
+              <a:t>8/28/2022</a:t>
             </a:fld>
             <a:endParaRPr lang="en-US"/>
           </a:p>
@@ -2630,7 +2631,7 @@
           <a:p>
             <a:fld id="{0D328F58-13AA-FD42-A8F4-EA7545CD92C6}" type="datetimeFigureOut">
               <a:rPr lang="en-US" smtClean="0"/>
-              <a:t>8/27/22</a:t>
+              <a:t>8/28/2022</a:t>
             </a:fld>
             <a:endParaRPr lang="en-US"/>
           </a:p>
@@ -2941,7 +2942,7 @@
           <a:p>
             <a:fld id="{0D328F58-13AA-FD42-A8F4-EA7545CD92C6}" type="datetimeFigureOut">
               <a:rPr lang="en-US" smtClean="0"/>
-              <a:t>8/27/22</a:t>
+              <a:t>8/28/2022</a:t>
             </a:fld>
             <a:endParaRPr lang="en-US"/>
           </a:p>
@@ -3229,7 +3230,7 @@
           <a:p>
             <a:fld id="{0D328F58-13AA-FD42-A8F4-EA7545CD92C6}" type="datetimeFigureOut">
               <a:rPr lang="en-US" smtClean="0"/>
-              <a:t>8/27/22</a:t>
+              <a:t>8/28/2022</a:t>
             </a:fld>
             <a:endParaRPr lang="en-US"/>
           </a:p>
@@ -3470,7 +3471,7 @@
           <a:p>
             <a:fld id="{0D328F58-13AA-FD42-A8F4-EA7545CD92C6}" type="datetimeFigureOut">
               <a:rPr lang="en-US" smtClean="0"/>
-              <a:t>8/27/22</a:t>
+              <a:t>8/28/2022</a:t>
             </a:fld>
             <a:endParaRPr lang="en-US"/>
           </a:p>
@@ -5881,6 +5882,124 @@
       </p:grpSpPr>
       <p:sp>
         <p:nvSpPr>
+          <p:cNvPr id="2" name="标题 1">
+            <a:extLst>
+              <a:ext uri="{FF2B5EF4-FFF2-40B4-BE49-F238E27FC236}">
+                <a16:creationId xmlns:a16="http://schemas.microsoft.com/office/drawing/2014/main" id="{D69A9DEF-31DF-3C04-8490-1129EF43B2C2}"/>
+              </a:ext>
+            </a:extLst>
+          </p:cNvPr>
+          <p:cNvSpPr>
+            <a:spLocks noGrp="1"/>
+          </p:cNvSpPr>
+          <p:nvPr>
+            <p:ph type="title"/>
+          </p:nvPr>
+        </p:nvSpPr>
+        <p:spPr/>
+        <p:txBody>
+          <a:bodyPr/>
+          <a:lstStyle/>
+          <a:p>
+            <a:r>
+              <a:rPr lang="en-US" dirty="0"/>
+              <a:t>infected -&gt; recovered &amp; exposed -&gt; infected</a:t>
+            </a:r>
+            <a:endParaRPr lang="en-CA" dirty="0"/>
+          </a:p>
+        </p:txBody>
+      </p:sp>
+      <p:sp>
+        <p:nvSpPr>
+          <p:cNvPr id="3" name="内容占位符 2">
+            <a:extLst>
+              <a:ext uri="{FF2B5EF4-FFF2-40B4-BE49-F238E27FC236}">
+                <a16:creationId xmlns:a16="http://schemas.microsoft.com/office/drawing/2014/main" id="{9CC26577-7D0C-46BE-74B5-DE97202D2F16}"/>
+              </a:ext>
+            </a:extLst>
+          </p:cNvPr>
+          <p:cNvSpPr>
+            <a:spLocks noGrp="1"/>
+          </p:cNvSpPr>
+          <p:nvPr>
+            <p:ph idx="1"/>
+          </p:nvPr>
+        </p:nvSpPr>
+        <p:spPr/>
+        <p:txBody>
+          <a:bodyPr/>
+          <a:lstStyle/>
+          <a:p>
+            <a:r>
+              <a:rPr lang="en-US" dirty="0"/>
+              <a:t>A gamma distribution! [REF], it’s something like this</a:t>
+            </a:r>
+            <a:endParaRPr lang="en-CA" dirty="0"/>
+          </a:p>
+        </p:txBody>
+      </p:sp>
+      <p:pic>
+        <p:nvPicPr>
+          <p:cNvPr id="5" name="图片 4" descr="图片包含 图示&#10;&#10;描述已自动生成">
+            <a:extLst>
+              <a:ext uri="{FF2B5EF4-FFF2-40B4-BE49-F238E27FC236}">
+                <a16:creationId xmlns:a16="http://schemas.microsoft.com/office/drawing/2014/main" id="{00C02E37-408B-FBC9-0924-1B1AE59CD0FC}"/>
+              </a:ext>
+            </a:extLst>
+          </p:cNvPr>
+          <p:cNvPicPr>
+            <a:picLocks noChangeAspect="1"/>
+          </p:cNvPicPr>
+          <p:nvPr/>
+        </p:nvPicPr>
+        <p:blipFill>
+          <a:blip r:embed="rId2"/>
+          <a:stretch>
+            <a:fillRect/>
+          </a:stretch>
+        </p:blipFill>
+        <p:spPr>
+          <a:xfrm>
+            <a:off x="1959950" y="2584514"/>
+            <a:ext cx="6343468" cy="3592449"/>
+          </a:xfrm>
+          <a:prstGeom prst="rect">
+            <a:avLst/>
+          </a:prstGeom>
+        </p:spPr>
+      </p:pic>
+    </p:spTree>
+    <p:extLst>
+      <p:ext uri="{BB962C8B-B14F-4D97-AF65-F5344CB8AC3E}">
+        <p14:creationId xmlns:p14="http://schemas.microsoft.com/office/powerpoint/2010/main" val="1993295690"/>
+      </p:ext>
+    </p:extLst>
+  </p:cSld>
+  <p:clrMapOvr>
+    <a:masterClrMapping/>
+  </p:clrMapOvr>
+</p:sld>
+</file>
+
+<file path=ppt/slides/slide18.xml><?xml version="1.0" encoding="utf-8"?>
+<p:sld xmlns:a="http://schemas.openxmlformats.org/drawingml/2006/main" xmlns:r="http://schemas.openxmlformats.org/officeDocument/2006/relationships" xmlns:p="http://schemas.openxmlformats.org/presentationml/2006/main">
+  <p:cSld>
+    <p:spTree>
+      <p:nvGrpSpPr>
+        <p:cNvPr id="1" name=""/>
+        <p:cNvGrpSpPr/>
+        <p:nvPr/>
+      </p:nvGrpSpPr>
+      <p:grpSpPr>
+        <a:xfrm>
+          <a:off x="0" y="0"/>
+          <a:ext cx="0" cy="0"/>
+          <a:chOff x="0" y="0"/>
+          <a:chExt cx="0" cy="0"/>
+        </a:xfrm>
+      </p:grpSpPr>
+      <p:sp>
+        <p:nvSpPr>
           <p:cNvPr id="2" name="Title 1">
             <a:extLst>
               <a:ext uri="{FF2B5EF4-FFF2-40B4-BE49-F238E27FC236}">
@@ -6023,7 +6142,7 @@
 </p:sld>
 </file>
 
-<file path=ppt/slides/slide18.xml><?xml version="1.0" encoding="utf-8"?>
+<file path=ppt/slides/slide19.xml><?xml version="1.0" encoding="utf-8"?>
 <p:sld xmlns:a="http://schemas.openxmlformats.org/drawingml/2006/main" xmlns:r="http://schemas.openxmlformats.org/officeDocument/2006/relationships" xmlns:p="http://schemas.openxmlformats.org/presentationml/2006/main">
   <p:cSld>
     <p:spTree>
@@ -6195,102 +6314,6 @@
 </p:sld>
 </file>
 
-<file path=ppt/slides/slide19.xml><?xml version="1.0" encoding="utf-8"?>
-<p:sld xmlns:a="http://schemas.openxmlformats.org/drawingml/2006/main" xmlns:r="http://schemas.openxmlformats.org/officeDocument/2006/relationships" xmlns:p="http://schemas.openxmlformats.org/presentationml/2006/main">
-  <p:cSld>
-    <p:spTree>
-      <p:nvGrpSpPr>
-        <p:cNvPr id="1" name=""/>
-        <p:cNvGrpSpPr/>
-        <p:nvPr/>
-      </p:nvGrpSpPr>
-      <p:grpSpPr>
-        <a:xfrm>
-          <a:off x="0" y="0"/>
-          <a:ext cx="0" cy="0"/>
-          <a:chOff x="0" y="0"/>
-          <a:chExt cx="0" cy="0"/>
-        </a:xfrm>
-      </p:grpSpPr>
-      <p:sp>
-        <p:nvSpPr>
-          <p:cNvPr id="2" name="Title 1">
-            <a:extLst>
-              <a:ext uri="{FF2B5EF4-FFF2-40B4-BE49-F238E27FC236}">
-                <a16:creationId xmlns:a16="http://schemas.microsoft.com/office/drawing/2014/main" id="{32E051FB-0F45-906E-8308-596EE44502AA}"/>
-              </a:ext>
-            </a:extLst>
-          </p:cNvPr>
-          <p:cNvSpPr>
-            <a:spLocks noGrp="1"/>
-          </p:cNvSpPr>
-          <p:nvPr>
-            <p:ph type="title"/>
-          </p:nvPr>
-        </p:nvSpPr>
-        <p:spPr/>
-        <p:txBody>
-          <a:bodyPr/>
-          <a:lstStyle/>
-          <a:p>
-            <a:r>
-              <a:rPr lang="en-US" dirty="0"/>
-              <a:t>Commutation – cont.</a:t>
-            </a:r>
-          </a:p>
-        </p:txBody>
-      </p:sp>
-      <p:sp>
-        <p:nvSpPr>
-          <p:cNvPr id="3" name="Content Placeholder 2">
-            <a:extLst>
-              <a:ext uri="{FF2B5EF4-FFF2-40B4-BE49-F238E27FC236}">
-                <a16:creationId xmlns:a16="http://schemas.microsoft.com/office/drawing/2014/main" id="{1B975EEA-E412-7DEB-4B34-6E0889525066}"/>
-              </a:ext>
-            </a:extLst>
-          </p:cNvPr>
-          <p:cNvSpPr>
-            <a:spLocks noGrp="1"/>
-          </p:cNvSpPr>
-          <p:nvPr>
-            <p:ph idx="1"/>
-          </p:nvPr>
-        </p:nvSpPr>
-        <p:spPr/>
-        <p:txBody>
-          <a:bodyPr/>
-          <a:lstStyle/>
-          <a:p>
-            <a:r>
-              <a:rPr lang="en-US" dirty="0"/>
-              <a:t>Intuitively</a:t>
-            </a:r>
-            <a:r>
-              <a:rPr lang="en-US" altLang="zh-CN" dirty="0"/>
-              <a:t>, the in-coming commuters is also a 528 * 16 matrix. Such matrix will be reshaped (merged) into a 16-dimensional vector, and will be used to calculate the number of new cases.</a:t>
-            </a:r>
-          </a:p>
-          <a:p>
-            <a:r>
-              <a:rPr lang="en-US" altLang="zh-CN" dirty="0"/>
-              <a:t>The number of new cases will then be re-distributed according to the weight of each entry (detailed description in supplementary material).</a:t>
-            </a:r>
-          </a:p>
-        </p:txBody>
-      </p:sp>
-    </p:spTree>
-    <p:extLst>
-      <p:ext uri="{BB962C8B-B14F-4D97-AF65-F5344CB8AC3E}">
-        <p14:creationId xmlns:p14="http://schemas.microsoft.com/office/powerpoint/2010/main" val="2236853956"/>
-      </p:ext>
-    </p:extLst>
-  </p:cSld>
-  <p:clrMapOvr>
-    <a:masterClrMapping/>
-  </p:clrMapOvr>
-</p:sld>
-</file>
-
 <file path=ppt/slides/slide2.xml><?xml version="1.0" encoding="utf-8"?>
 <p:sld xmlns:a="http://schemas.openxmlformats.org/drawingml/2006/main" xmlns:r="http://schemas.openxmlformats.org/officeDocument/2006/relationships" xmlns:p="http://schemas.openxmlformats.org/presentationml/2006/main">
   <p:cSld>
@@ -6446,6 +6469,117 @@
     <p:extLst>
       <p:ext uri="{BB962C8B-B14F-4D97-AF65-F5344CB8AC3E}">
         <p14:creationId xmlns:p14="http://schemas.microsoft.com/office/powerpoint/2010/main" val="3821882236"/>
+      </p:ext>
+    </p:extLst>
+  </p:cSld>
+  <p:clrMapOvr>
+    <a:masterClrMapping/>
+  </p:clrMapOvr>
+</p:sld>
+</file>
+
+<file path=ppt/slides/slide20.xml><?xml version="1.0" encoding="utf-8"?>
+<p:sld xmlns:a="http://schemas.openxmlformats.org/drawingml/2006/main" xmlns:r="http://schemas.openxmlformats.org/officeDocument/2006/relationships" xmlns:p="http://schemas.openxmlformats.org/presentationml/2006/main">
+  <p:cSld>
+    <p:spTree>
+      <p:nvGrpSpPr>
+        <p:cNvPr id="1" name=""/>
+        <p:cNvGrpSpPr/>
+        <p:nvPr/>
+      </p:nvGrpSpPr>
+      <p:grpSpPr>
+        <a:xfrm>
+          <a:off x="0" y="0"/>
+          <a:ext cx="0" cy="0"/>
+          <a:chOff x="0" y="0"/>
+          <a:chExt cx="0" cy="0"/>
+        </a:xfrm>
+      </p:grpSpPr>
+      <p:sp>
+        <p:nvSpPr>
+          <p:cNvPr id="2" name="Title 1">
+            <a:extLst>
+              <a:ext uri="{FF2B5EF4-FFF2-40B4-BE49-F238E27FC236}">
+                <a16:creationId xmlns:a16="http://schemas.microsoft.com/office/drawing/2014/main" id="{32E051FB-0F45-906E-8308-596EE44502AA}"/>
+              </a:ext>
+            </a:extLst>
+          </p:cNvPr>
+          <p:cNvSpPr>
+            <a:spLocks noGrp="1"/>
+          </p:cNvSpPr>
+          <p:nvPr>
+            <p:ph type="title"/>
+          </p:nvPr>
+        </p:nvSpPr>
+        <p:spPr/>
+        <p:txBody>
+          <a:bodyPr/>
+          <a:lstStyle/>
+          <a:p>
+            <a:r>
+              <a:rPr lang="en-US" dirty="0"/>
+              <a:t>Commutation – cont.</a:t>
+            </a:r>
+          </a:p>
+        </p:txBody>
+      </p:sp>
+      <p:sp>
+        <p:nvSpPr>
+          <p:cNvPr id="3" name="Content Placeholder 2">
+            <a:extLst>
+              <a:ext uri="{FF2B5EF4-FFF2-40B4-BE49-F238E27FC236}">
+                <a16:creationId xmlns:a16="http://schemas.microsoft.com/office/drawing/2014/main" id="{1B975EEA-E412-7DEB-4B34-6E0889525066}"/>
+              </a:ext>
+            </a:extLst>
+          </p:cNvPr>
+          <p:cNvSpPr>
+            <a:spLocks noGrp="1"/>
+          </p:cNvSpPr>
+          <p:nvPr>
+            <p:ph idx="1"/>
+          </p:nvPr>
+        </p:nvSpPr>
+        <p:spPr/>
+        <p:txBody>
+          <a:bodyPr/>
+          <a:lstStyle/>
+          <a:p>
+            <a:r>
+              <a:rPr lang="en-US" dirty="0"/>
+              <a:t>Intuitively</a:t>
+            </a:r>
+            <a:r>
+              <a:rPr lang="en-US" altLang="zh-CN" dirty="0"/>
+              <a:t>, the in-coming commuters is also a 528 * 16 matrix. Such matrix will be reshaped (merged) into a 16-dimensional vector and will be used to calculate the number of new cases.</a:t>
+            </a:r>
+          </a:p>
+          <a:p>
+            <a:r>
+              <a:rPr lang="en-US" altLang="zh-CN" dirty="0"/>
+              <a:t>The number of new cases will then be re-distributed according to the weight of each entry (detailed description in supplementary material).</a:t>
+            </a:r>
+          </a:p>
+          <a:p>
+            <a:r>
+              <a:rPr lang="en-US" altLang="zh-CN" dirty="0"/>
+              <a:t>Essentially, just </a:t>
+            </a:r>
+          </a:p>
+          <a:p>
+            <a:pPr marL="0" indent="0" algn="ctr">
+              <a:buNone/>
+            </a:pPr>
+            <a:r>
+              <a:rPr lang="en-US" altLang="zh-CN" dirty="0"/>
+              <a:t>reshape -&gt; travel -&gt; reshape -&gt; transmission -&gt; return -&gt; reshape</a:t>
+            </a:r>
+          </a:p>
+        </p:txBody>
+      </p:sp>
+    </p:spTree>
+    <p:extLst>
+      <p:ext uri="{BB962C8B-B14F-4D97-AF65-F5344CB8AC3E}">
+        <p14:creationId xmlns:p14="http://schemas.microsoft.com/office/powerpoint/2010/main" val="2236853956"/>
       </p:ext>
     </p:extLst>
   </p:cSld>
@@ -7488,8 +7622,8 @@
         </p:blipFill>
         <p:spPr>
           <a:xfrm>
-            <a:off x="7283829" y="-352219"/>
-            <a:ext cx="4528074" cy="1983098"/>
+            <a:off x="7735350" y="54576"/>
+            <a:ext cx="4043895" cy="1771049"/>
           </a:xfrm>
           <a:prstGeom prst="rect">
             <a:avLst/>

--- a/SEIR model.pptx
+++ b/SEIR model.pptx
@@ -6420,8 +6420,13 @@
             </a:r>
             <a:r>
               <a:rPr lang="en-US" sz="2400" dirty="0"/>
-              <a:t> (Infected): Similar to exposed, infected are who has the virus, transmissive, and might have or not have virus.</a:t>
-            </a:r>
+              <a:t> (Infected): Similar to exposed, infected are who has the virus, transmissive, and might have or not </a:t>
+            </a:r>
+            <a:r>
+              <a:rPr lang="en-US" sz="2400"/>
+              <a:t>have symptom.</a:t>
+            </a:r>
+            <a:endParaRPr lang="en-US" sz="2400" dirty="0"/>
           </a:p>
           <a:p>
             <a:pPr lvl="1"/>

--- a/SEIR model.pptx
+++ b/SEIR model.pptx
@@ -10,12 +10,12 @@
   <p:sldIdLst>
     <p:sldId id="256" r:id="rId2"/>
     <p:sldId id="257" r:id="rId3"/>
-    <p:sldId id="258" r:id="rId4"/>
-    <p:sldId id="265" r:id="rId5"/>
-    <p:sldId id="260" r:id="rId6"/>
-    <p:sldId id="259" r:id="rId7"/>
-    <p:sldId id="261" r:id="rId8"/>
-    <p:sldId id="262" r:id="rId9"/>
+    <p:sldId id="262" r:id="rId4"/>
+    <p:sldId id="258" r:id="rId5"/>
+    <p:sldId id="265" r:id="rId6"/>
+    <p:sldId id="260" r:id="rId7"/>
+    <p:sldId id="259" r:id="rId8"/>
+    <p:sldId id="261" r:id="rId9"/>
     <p:sldId id="263" r:id="rId10"/>
     <p:sldId id="264" r:id="rId11"/>
     <p:sldId id="272" r:id="rId12"/>
@@ -4379,8 +4379,8 @@
           </a:p>
         </p:txBody>
       </p:sp>
-      <mc:AlternateContent xmlns:mc="http://schemas.openxmlformats.org/markup-compatibility/2006" xmlns:a14="http://schemas.microsoft.com/office/drawing/2010/main">
-        <mc:Choice Requires="a14">
+      <mc:AlternateContent xmlns:mc="http://schemas.openxmlformats.org/markup-compatibility/2006">
+        <mc:Choice xmlns:a14="http://schemas.microsoft.com/office/drawing/2010/main" Requires="a14">
           <p:sp>
             <p:nvSpPr>
               <p:cNvPr id="3" name="Content Placeholder 2">
@@ -4462,6 +4462,12 @@
                           <a:latin typeface="Cambria Math" panose="02040503050406030204" pitchFamily="18" charset="0"/>
                         </a:rPr>
                         <m:t>=</m:t>
+                      </m:r>
+                      <m:r>
+                        <a:rPr lang="en-CA" b="0" i="1" smtClean="0">
+                          <a:latin typeface="Cambria Math" panose="02040503050406030204" pitchFamily="18" charset="0"/>
+                        </a:rPr>
+                        <m:t>𝑐</m:t>
                       </m:r>
                       <m:r>
                         <m:rPr>
@@ -4548,6 +4554,15 @@
                       <m:rPr>
                         <m:sty m:val="p"/>
                       </m:rPr>
+                      <a:rPr lang="en-CA" b="0" i="0" smtClean="0">
+                        <a:latin typeface="Cambria Math" panose="02040503050406030204" pitchFamily="18" charset="0"/>
+                      </a:rPr>
+                      <m:t>c</m:t>
+                    </m:r>
+                    <m:r>
+                      <m:rPr>
+                        <m:sty m:val="p"/>
+                      </m:rPr>
                       <a:rPr lang="en-CA" b="0" i="1" smtClean="0">
                         <a:latin typeface="Cambria Math" panose="02040503050406030204" pitchFamily="18" charset="0"/>
                       </a:rPr>
@@ -4614,7 +4629,107 @@
                         <a:rPr lang="en-CA" b="0" i="1" smtClean="0">
                           <a:latin typeface="Cambria Math" panose="02040503050406030204" pitchFamily="18" charset="0"/>
                         </a:rPr>
-                        <m:t>=[304, 1084, …, 480]</m:t>
+                        <m:t>=</m:t>
+                      </m:r>
+                      <m:r>
+                        <a:rPr lang="en-US" b="0" i="1" smtClean="0">
+                          <a:latin typeface="Cambria Math" panose="02040503050406030204" pitchFamily="18" charset="0"/>
+                        </a:rPr>
+                        <m:t>2</m:t>
+                      </m:r>
+                      <m:sSub>
+                        <m:sSubPr>
+                          <m:ctrlPr>
+                            <a:rPr lang="en-US" b="0" i="1" smtClean="0">
+                              <a:latin typeface="Cambria Math" panose="02040503050406030204" pitchFamily="18" charset="0"/>
+                            </a:rPr>
+                          </m:ctrlPr>
+                        </m:sSubPr>
+                        <m:e>
+                          <m:r>
+                            <a:rPr lang="en-US" b="0" i="1" smtClean="0">
+                              <a:latin typeface="Cambria Math" panose="02040503050406030204" pitchFamily="18" charset="0"/>
+                            </a:rPr>
+                            <m:t>𝑣</m:t>
+                          </m:r>
+                        </m:e>
+                        <m:sub>
+                          <m:r>
+                            <a:rPr lang="en-US" b="0" i="1" smtClean="0">
+                              <a:latin typeface="Cambria Math" panose="02040503050406030204" pitchFamily="18" charset="0"/>
+                            </a:rPr>
+                            <m:t>𝑡</m:t>
+                          </m:r>
+                        </m:sub>
+                      </m:sSub>
+                      <m:r>
+                        <a:rPr lang="en-US" b="0" i="1" smtClean="0">
+                          <a:latin typeface="Cambria Math" panose="02040503050406030204" pitchFamily="18" charset="0"/>
+                        </a:rPr>
+                        <m:t>=2</m:t>
+                      </m:r>
+                      <m:r>
+                        <m:rPr>
+                          <m:nor/>
+                        </m:rPr>
+                        <a:rPr lang="en-US" dirty="0">
+                          <a:latin typeface="Cambria Math" panose="02040503050406030204" pitchFamily="18" charset="0"/>
+                          <a:ea typeface="Cambria Math" panose="02040503050406030204" pitchFamily="18" charset="0"/>
+                        </a:rPr>
+                        <m:t>[152, </m:t>
+                      </m:r>
+                      <m:r>
+                        <m:rPr>
+                          <m:nor/>
+                        </m:rPr>
+                        <a:rPr lang="en-CA" dirty="0">
+                          <a:latin typeface="Cambria Math" panose="02040503050406030204" pitchFamily="18" charset="0"/>
+                          <a:ea typeface="Cambria Math" panose="02040503050406030204" pitchFamily="18" charset="0"/>
+                        </a:rPr>
+                        <m:t>542</m:t>
+                      </m:r>
+                      <m:r>
+                        <m:rPr>
+                          <m:nor/>
+                        </m:rPr>
+                        <a:rPr lang="en-US" dirty="0">
+                          <a:latin typeface="Cambria Math" panose="02040503050406030204" pitchFamily="18" charset="0"/>
+                          <a:ea typeface="Cambria Math" panose="02040503050406030204" pitchFamily="18" charset="0"/>
+                        </a:rPr>
+                        <m:t>, …, </m:t>
+                      </m:r>
+                      <m:r>
+                        <m:rPr>
+                          <m:nor/>
+                        </m:rPr>
+                        <a:rPr lang="en-CA" dirty="0">
+                          <a:latin typeface="Cambria Math" panose="02040503050406030204" pitchFamily="18" charset="0"/>
+                          <a:ea typeface="Cambria Math" panose="02040503050406030204" pitchFamily="18" charset="0"/>
+                        </a:rPr>
+                        <m:t>240</m:t>
+                      </m:r>
+                      <m:r>
+                        <m:rPr>
+                          <m:nor/>
+                        </m:rPr>
+                        <a:rPr lang="en-US" dirty="0">
+                          <a:latin typeface="Cambria Math" panose="02040503050406030204" pitchFamily="18" charset="0"/>
+                          <a:ea typeface="Cambria Math" panose="02040503050406030204" pitchFamily="18" charset="0"/>
+                        </a:rPr>
+                        <m:t>]</m:t>
+                      </m:r>
+                      <m:r>
+                        <a:rPr lang="en-US" b="0" i="1" dirty="0" smtClean="0">
+                          <a:latin typeface="Cambria Math" panose="02040503050406030204" pitchFamily="18" charset="0"/>
+                          <a:ea typeface="Cambria Math" panose="02040503050406030204" pitchFamily="18" charset="0"/>
+                        </a:rPr>
+                        <m:t>= </m:t>
+                      </m:r>
+                      <m:r>
+                        <a:rPr lang="en-CA" b="0" i="1" smtClean="0">
+                          <a:latin typeface="Cambria Math" panose="02040503050406030204" pitchFamily="18" charset="0"/>
+                        </a:rPr>
+                        <m:t>[304, 1084, …, 480]</m:t>
                       </m:r>
                     </m:oMath>
                   </m:oMathPara>
@@ -4630,7 +4745,7 @@
             </p:txBody>
           </p:sp>
         </mc:Choice>
-        <mc:Fallback xmlns="">
+        <mc:Fallback>
           <p:sp>
             <p:nvSpPr>
               <p:cNvPr id="3" name="Content Placeholder 2">
@@ -4651,7 +4766,7 @@
               <a:blipFill>
                 <a:blip r:embed="rId2"/>
                 <a:stretch>
-                  <a:fillRect l="-1086" t="-2326"/>
+                  <a:fillRect l="-1043" t="-2241"/>
                 </a:stretch>
               </a:blipFill>
             </p:spPr>
@@ -4660,7 +4775,7 @@
               <a:lstStyle/>
               <a:p>
                 <a:r>
-                  <a:rPr lang="en-US">
+                  <a:rPr lang="en-CA">
                     <a:noFill/>
                   </a:rPr>
                   <a:t> </a:t>
@@ -4728,8 +4843,8 @@
           </a:p>
         </p:txBody>
       </p:sp>
-      <mc:AlternateContent xmlns:mc="http://schemas.openxmlformats.org/markup-compatibility/2006" xmlns:a14="http://schemas.microsoft.com/office/drawing/2010/main">
-        <mc:Choice Requires="a14">
+      <mc:AlternateContent xmlns:mc="http://schemas.openxmlformats.org/markup-compatibility/2006">
+        <mc:Choice xmlns:a14="http://schemas.microsoft.com/office/drawing/2010/main" Requires="a14">
           <p:sp>
             <p:nvSpPr>
               <p:cNvPr id="3" name="Content Placeholder 2">
@@ -4853,17 +4968,36 @@
                 </a:r>
                 <a14:m>
                   <m:oMath xmlns:m="http://schemas.openxmlformats.org/officeDocument/2006/math">
-                    <m:r>
-                      <a:rPr lang="en-CA" b="0" i="1" smtClean="0">
-                        <a:latin typeface="Cambria Math" panose="02040503050406030204" pitchFamily="18" charset="0"/>
-                      </a:rPr>
-                      <m:t>𝛽</m:t>
-                    </m:r>
+                    <m:sSub>
+                      <m:sSubPr>
+                        <m:ctrlPr>
+                          <a:rPr lang="en-US" b="0" i="1" smtClean="0">
+                            <a:latin typeface="Cambria Math" panose="02040503050406030204" pitchFamily="18" charset="0"/>
+                          </a:rPr>
+                        </m:ctrlPr>
+                      </m:sSubPr>
+                      <m:e>
+                        <m:r>
+                          <a:rPr lang="en-CA" b="0" i="1" smtClean="0">
+                            <a:latin typeface="Cambria Math" panose="02040503050406030204" pitchFamily="18" charset="0"/>
+                          </a:rPr>
+                          <m:t>𝛽</m:t>
+                        </m:r>
+                      </m:e>
+                      <m:sub>
+                        <m:r>
+                          <a:rPr lang="en-US" b="0" i="1" smtClean="0">
+                            <a:latin typeface="Cambria Math" panose="02040503050406030204" pitchFamily="18" charset="0"/>
+                          </a:rPr>
+                          <m:t>0</m:t>
+                        </m:r>
+                      </m:sub>
+                    </m:sSub>
                   </m:oMath>
                 </a14:m>
                 <a:r>
                   <a:rPr lang="en-US" dirty="0"/>
-                  <a:t> is the </a:t>
+                  <a:t> is the baseline </a:t>
                 </a:r>
                 <a:r>
                   <a:rPr lang="en-US" dirty="0">
@@ -4887,7 +5021,7 @@
             </p:txBody>
           </p:sp>
         </mc:Choice>
-        <mc:Fallback xmlns="">
+        <mc:Fallback>
           <p:sp>
             <p:nvSpPr>
               <p:cNvPr id="3" name="Content Placeholder 2">
@@ -4912,7 +5046,7 @@
               <a:blipFill>
                 <a:blip r:embed="rId3"/>
                 <a:stretch>
-                  <a:fillRect l="-1086" t="-2015" r="-241"/>
+                  <a:fillRect l="-1043" t="-1937" r="-232"/>
                 </a:stretch>
               </a:blipFill>
             </p:spPr>
@@ -4921,7 +5055,7 @@
               <a:lstStyle/>
               <a:p>
                 <a:r>
-                  <a:rPr lang="en-US">
+                  <a:rPr lang="en-CA">
                     <a:noFill/>
                   </a:rPr>
                   <a:t> </a:t>
@@ -4933,10 +5067,10 @@
       </mc:AlternateContent>
       <p:pic>
         <p:nvPicPr>
-          <p:cNvPr id="7" name="Picture 6">
-            <a:extLst>
-              <a:ext uri="{FF2B5EF4-FFF2-40B4-BE49-F238E27FC236}">
-                <a16:creationId xmlns:a16="http://schemas.microsoft.com/office/drawing/2014/main" id="{04A4722C-FFD6-2391-1E9C-5139C60A131B}"/>
+          <p:cNvPr id="5" name="图片 4">
+            <a:extLst>
+              <a:ext uri="{FF2B5EF4-FFF2-40B4-BE49-F238E27FC236}">
+                <a16:creationId xmlns:a16="http://schemas.microsoft.com/office/drawing/2014/main" id="{98B3AEA8-12F6-DECE-141A-9F2D385617EC}"/>
               </a:ext>
             </a:extLst>
           </p:cNvPr>
@@ -4953,8 +5087,8 @@
         </p:blipFill>
         <p:spPr>
           <a:xfrm>
-            <a:off x="3584762" y="4355258"/>
-            <a:ext cx="5022476" cy="1290497"/>
+            <a:off x="2639841" y="4252205"/>
+            <a:ext cx="6912317" cy="1634845"/>
           </a:xfrm>
           <a:prstGeom prst="rect">
             <a:avLst/>
@@ -6236,7 +6370,7 @@
             </a:r>
             <a:r>
               <a:rPr lang="en-US" dirty="0"/>
-              <a:t>, where the sum of each row is corresponding to the entry of the, for example:</a:t>
+              <a:t>, where the sum of each row is corresponding to the entry of the original vector, for example:</a:t>
             </a:r>
           </a:p>
         </p:txBody>
@@ -6293,7 +6427,7 @@
         </p:blipFill>
         <p:spPr>
           <a:xfrm>
-            <a:off x="2209800" y="4269674"/>
+            <a:off x="2209800" y="4605173"/>
             <a:ext cx="7772400" cy="2068285"/>
           </a:xfrm>
           <a:prstGeom prst="rect">
@@ -6616,7 +6750,7 @@
           <p:cNvPr id="2" name="Title 1">
             <a:extLst>
               <a:ext uri="{FF2B5EF4-FFF2-40B4-BE49-F238E27FC236}">
-                <a16:creationId xmlns:a16="http://schemas.microsoft.com/office/drawing/2014/main" id="{267C7795-217A-4172-1E48-D80B702F6B58}"/>
+                <a16:creationId xmlns:a16="http://schemas.microsoft.com/office/drawing/2014/main" id="{50D6C91B-08AD-DA2D-FE36-6D093D7DDA10}"/>
               </a:ext>
             </a:extLst>
           </p:cNvPr>
@@ -6634,1067 +6768,13 @@
           <a:p>
             <a:r>
               <a:rPr lang="en-US" dirty="0"/>
-              <a:t>Geographical Stratification</a:t>
-            </a:r>
-          </a:p>
-        </p:txBody>
-      </p:sp>
-      <p:sp>
-        <p:nvSpPr>
-          <p:cNvPr id="3" name="Content Placeholder 2">
-            <a:extLst>
-              <a:ext uri="{FF2B5EF4-FFF2-40B4-BE49-F238E27FC236}">
-                <a16:creationId xmlns:a16="http://schemas.microsoft.com/office/drawing/2014/main" id="{3B632266-C27E-F62A-5249-A7F65883F668}"/>
-              </a:ext>
-            </a:extLst>
-          </p:cNvPr>
-          <p:cNvSpPr>
-            <a:spLocks noGrp="1"/>
-          </p:cNvSpPr>
-          <p:nvPr>
-            <p:ph idx="1"/>
-          </p:nvPr>
-        </p:nvSpPr>
-        <p:spPr/>
-        <p:txBody>
-          <a:bodyPr/>
-          <a:lstStyle/>
-          <a:p>
-            <a:r>
-              <a:rPr lang="en-US" dirty="0"/>
-              <a:t>Ontario has </a:t>
-            </a:r>
-          </a:p>
-          <a:p>
-            <a:r>
-              <a:rPr lang="en-US" dirty="0"/>
-              <a:t>26 Public Health Units</a:t>
-            </a:r>
-          </a:p>
-          <a:p>
-            <a:r>
-              <a:rPr lang="en-US" dirty="0"/>
-              <a:t>50 administrative districts</a:t>
-            </a:r>
-          </a:p>
-          <a:p>
-            <a:r>
-              <a:rPr lang="en-US" dirty="0"/>
-              <a:t>528 counties</a:t>
-            </a:r>
-          </a:p>
-          <a:p>
-            <a:pPr marL="0" indent="0">
-              <a:buNone/>
-            </a:pPr>
-            <a:r>
-              <a:rPr lang="en-US" dirty="0"/>
-              <a:t>We have following data of each county:</a:t>
-            </a:r>
-          </a:p>
-          <a:p>
-            <a:pPr>
-              <a:buFont typeface="Courier New" panose="02070309020205020404" pitchFamily="49" charset="0"/>
-              <a:buChar char="o"/>
-            </a:pPr>
-            <a:r>
-              <a:rPr lang="en-US" dirty="0"/>
-              <a:t> Population</a:t>
-            </a:r>
-          </a:p>
-          <a:p>
-            <a:pPr>
-              <a:buFont typeface="Courier New" panose="02070309020205020404" pitchFamily="49" charset="0"/>
-              <a:buChar char="o"/>
-            </a:pPr>
-            <a:r>
-              <a:rPr lang="en-US" dirty="0"/>
-              <a:t> Commuting matrix</a:t>
-            </a:r>
-          </a:p>
-          <a:p>
-            <a:pPr marL="0" indent="0">
-              <a:buNone/>
-            </a:pPr>
-            <a:endParaRPr lang="en-US" dirty="0"/>
-          </a:p>
-        </p:txBody>
-      </p:sp>
-    </p:spTree>
-    <p:extLst>
-      <p:ext uri="{BB962C8B-B14F-4D97-AF65-F5344CB8AC3E}">
-        <p14:creationId xmlns:p14="http://schemas.microsoft.com/office/powerpoint/2010/main" val="4203377485"/>
-      </p:ext>
-    </p:extLst>
-  </p:cSld>
-  <p:clrMapOvr>
-    <a:masterClrMapping/>
-  </p:clrMapOvr>
-</p:sld>
-</file>
-
-<file path=ppt/slides/slide4.xml><?xml version="1.0" encoding="utf-8"?>
-<p:sld xmlns:a="http://schemas.openxmlformats.org/drawingml/2006/main" xmlns:r="http://schemas.openxmlformats.org/officeDocument/2006/relationships" xmlns:p="http://schemas.openxmlformats.org/presentationml/2006/main">
-  <p:cSld>
-    <p:spTree>
-      <p:nvGrpSpPr>
-        <p:cNvPr id="1" name=""/>
-        <p:cNvGrpSpPr/>
-        <p:nvPr/>
-      </p:nvGrpSpPr>
-      <p:grpSpPr>
-        <a:xfrm>
-          <a:off x="0" y="0"/>
-          <a:ext cx="0" cy="0"/>
-          <a:chOff x="0" y="0"/>
-          <a:chExt cx="0" cy="0"/>
-        </a:xfrm>
-      </p:grpSpPr>
-      <p:sp>
-        <p:nvSpPr>
-          <p:cNvPr id="2" name="Title 1">
-            <a:extLst>
-              <a:ext uri="{FF2B5EF4-FFF2-40B4-BE49-F238E27FC236}">
-                <a16:creationId xmlns:a16="http://schemas.microsoft.com/office/drawing/2014/main" id="{07B670AD-5C81-1810-487C-2F41EC021375}"/>
-              </a:ext>
-            </a:extLst>
-          </p:cNvPr>
-          <p:cNvSpPr>
-            <a:spLocks noGrp="1"/>
-          </p:cNvSpPr>
-          <p:nvPr>
-            <p:ph type="title"/>
-          </p:nvPr>
-        </p:nvSpPr>
-        <p:spPr/>
-        <p:txBody>
-          <a:bodyPr/>
-          <a:lstStyle/>
-          <a:p>
-            <a:r>
-              <a:rPr lang="en-US" dirty="0"/>
-              <a:t>Age stratification</a:t>
-            </a:r>
-          </a:p>
-        </p:txBody>
-      </p:sp>
-      <p:sp>
-        <p:nvSpPr>
-          <p:cNvPr id="3" name="Content Placeholder 2">
-            <a:extLst>
-              <a:ext uri="{FF2B5EF4-FFF2-40B4-BE49-F238E27FC236}">
-                <a16:creationId xmlns:a16="http://schemas.microsoft.com/office/drawing/2014/main" id="{D4ED820F-8528-39D0-5C32-5D67332DA7F8}"/>
-              </a:ext>
-            </a:extLst>
-          </p:cNvPr>
-          <p:cNvSpPr>
-            <a:spLocks noGrp="1"/>
-          </p:cNvSpPr>
-          <p:nvPr>
-            <p:ph idx="1"/>
-          </p:nvPr>
-        </p:nvSpPr>
-        <p:spPr/>
-        <p:txBody>
-          <a:bodyPr/>
-          <a:lstStyle/>
-          <a:p>
-            <a:r>
-              <a:rPr lang="en-US" dirty="0"/>
-              <a:t>We stratified the Ontario population into 16 age-bands, as</a:t>
-            </a:r>
-          </a:p>
-          <a:p>
-            <a:pPr marL="0" indent="0" algn="ctr">
-              <a:buNone/>
-            </a:pPr>
-            <a:r>
-              <a:rPr lang="en-US" dirty="0"/>
-              <a:t>{0 to 4, 5 to 9, … , 70 to 74, 75 +}</a:t>
-            </a:r>
-          </a:p>
-          <a:p>
-            <a:r>
-              <a:rPr lang="en-US" dirty="0"/>
-              <a:t>To correspond with the contact matrix</a:t>
-            </a:r>
-            <a:r>
-              <a:rPr lang="en-US" altLang="zh-CN" dirty="0"/>
-              <a:t>, </a:t>
-            </a:r>
-            <a:r>
-              <a:rPr lang="en-CA" altLang="zh-CN" dirty="0"/>
-              <a:t>case-fatality-rate, susceptibility, and vaccination level</a:t>
-            </a:r>
-            <a:endParaRPr lang="en-US" dirty="0"/>
-          </a:p>
-        </p:txBody>
-      </p:sp>
-    </p:spTree>
-    <p:extLst>
-      <p:ext uri="{BB962C8B-B14F-4D97-AF65-F5344CB8AC3E}">
-        <p14:creationId xmlns:p14="http://schemas.microsoft.com/office/powerpoint/2010/main" val="1808280065"/>
-      </p:ext>
-    </p:extLst>
-  </p:cSld>
-  <p:clrMapOvr>
-    <a:masterClrMapping/>
-  </p:clrMapOvr>
-</p:sld>
-</file>
-
-<file path=ppt/slides/slide5.xml><?xml version="1.0" encoding="utf-8"?>
-<p:sld xmlns:a="http://schemas.openxmlformats.org/drawingml/2006/main" xmlns:r="http://schemas.openxmlformats.org/officeDocument/2006/relationships" xmlns:p="http://schemas.openxmlformats.org/presentationml/2006/main">
-  <p:cSld>
-    <p:spTree>
-      <p:nvGrpSpPr>
-        <p:cNvPr id="1" name=""/>
-        <p:cNvGrpSpPr/>
-        <p:nvPr/>
-      </p:nvGrpSpPr>
-      <p:grpSpPr>
-        <a:xfrm>
-          <a:off x="0" y="0"/>
-          <a:ext cx="0" cy="0"/>
-          <a:chOff x="0" y="0"/>
-          <a:chExt cx="0" cy="0"/>
-        </a:xfrm>
-      </p:grpSpPr>
-      <p:sp>
-        <p:nvSpPr>
-          <p:cNvPr id="2" name="Title 1">
-            <a:extLst>
-              <a:ext uri="{FF2B5EF4-FFF2-40B4-BE49-F238E27FC236}">
-                <a16:creationId xmlns:a16="http://schemas.microsoft.com/office/drawing/2014/main" id="{88873CBB-615E-5913-9F71-7FCCB2823BCD}"/>
-              </a:ext>
-            </a:extLst>
-          </p:cNvPr>
-          <p:cNvSpPr>
-            <a:spLocks noGrp="1"/>
-          </p:cNvSpPr>
-          <p:nvPr>
-            <p:ph type="title"/>
-          </p:nvPr>
-        </p:nvSpPr>
-        <p:spPr/>
-        <p:txBody>
-          <a:bodyPr/>
-          <a:lstStyle/>
-          <a:p>
-            <a:r>
-              <a:rPr lang="en-US" dirty="0"/>
-              <a:t>Contact matrix</a:t>
-            </a:r>
-          </a:p>
-        </p:txBody>
-      </p:sp>
-      <mc:AlternateContent xmlns:mc="http://schemas.openxmlformats.org/markup-compatibility/2006" xmlns:a14="http://schemas.microsoft.com/office/drawing/2010/main">
-        <mc:Choice Requires="a14">
-          <p:sp>
-            <p:nvSpPr>
-              <p:cNvPr id="3" name="Content Placeholder 2">
-                <a:extLst>
-                  <a:ext uri="{FF2B5EF4-FFF2-40B4-BE49-F238E27FC236}">
-                    <a16:creationId xmlns:a16="http://schemas.microsoft.com/office/drawing/2014/main" id="{1536AA4B-6532-6B6B-D38D-5F9C377742F7}"/>
-                  </a:ext>
-                </a:extLst>
-              </p:cNvPr>
-              <p:cNvSpPr>
-                <a:spLocks noGrp="1"/>
-              </p:cNvSpPr>
-              <p:nvPr>
-                <p:ph idx="1"/>
-              </p:nvPr>
-            </p:nvSpPr>
-            <p:spPr/>
-            <p:txBody>
-              <a:bodyPr/>
-              <a:lstStyle/>
-              <a:p>
-                <a:r>
-                  <a:rPr lang="en-US" dirty="0"/>
-                  <a:t>A </a:t>
-                </a:r>
-                <a14:m>
-                  <m:oMath xmlns:m="http://schemas.openxmlformats.org/officeDocument/2006/math">
-                    <m:r>
-                      <a:rPr lang="en-CA" b="0" i="1" smtClean="0">
-                        <a:latin typeface="Cambria Math" panose="02040503050406030204" pitchFamily="18" charset="0"/>
-                      </a:rPr>
-                      <m:t>16 × 16</m:t>
-                    </m:r>
-                  </m:oMath>
-                </a14:m>
-                <a:r>
-                  <a:rPr lang="en-US" dirty="0"/>
-                  <a:t> matrix.</a:t>
-                </a:r>
-              </a:p>
-              <a:p>
-                <a:r>
-                  <a:rPr lang="en-US" dirty="0"/>
-                  <a:t>Each row represents a five-year age band of </a:t>
-                </a:r>
-                <a:r>
-                  <a:rPr lang="en-US" dirty="0" err="1"/>
-                  <a:t>contacters</a:t>
-                </a:r>
-                <a:endParaRPr lang="en-US" dirty="0"/>
-              </a:p>
-              <a:p>
-                <a:r>
-                  <a:rPr lang="en-US" dirty="0"/>
-                  <a:t>Each column represents a five-year age band of </a:t>
-                </a:r>
-                <a:r>
-                  <a:rPr lang="en-US" dirty="0" err="1"/>
-                  <a:t>contactees</a:t>
-                </a:r>
-                <a:endParaRPr lang="en-US" dirty="0"/>
-              </a:p>
-              <a:p>
-                <a:pPr marL="0" indent="0">
-                  <a:buNone/>
-                </a:pPr>
-                <a:endParaRPr lang="en-US" dirty="0"/>
-              </a:p>
-              <a:p>
-                <a:endParaRPr lang="en-US" dirty="0"/>
-              </a:p>
-            </p:txBody>
-          </p:sp>
-        </mc:Choice>
-        <mc:Fallback xmlns="">
-          <p:sp>
-            <p:nvSpPr>
-              <p:cNvPr id="3" name="Content Placeholder 2">
-                <a:extLst>
-                  <a:ext uri="{FF2B5EF4-FFF2-40B4-BE49-F238E27FC236}">
-                    <a16:creationId xmlns:a16="http://schemas.microsoft.com/office/drawing/2014/main" id="{1536AA4B-6532-6B6B-D38D-5F9C377742F7}"/>
-                  </a:ext>
-                </a:extLst>
-              </p:cNvPr>
-              <p:cNvSpPr>
-                <a:spLocks noGrp="1" noRot="1" noChangeAspect="1" noMove="1" noResize="1" noEditPoints="1" noAdjustHandles="1" noChangeArrowheads="1" noChangeShapeType="1" noTextEdit="1"/>
-              </p:cNvSpPr>
-              <p:nvPr>
-                <p:ph idx="1"/>
-              </p:nvPr>
-            </p:nvSpPr>
-            <p:spPr>
-              <a:blipFill>
-                <a:blip r:embed="rId2"/>
-                <a:stretch>
-                  <a:fillRect l="-1086" t="-2326"/>
-                </a:stretch>
-              </a:blipFill>
-            </p:spPr>
-            <p:txBody>
-              <a:bodyPr/>
-              <a:lstStyle/>
-              <a:p>
-                <a:r>
-                  <a:rPr lang="en-US">
-                    <a:noFill/>
-                  </a:rPr>
-                  <a:t> </a:t>
-                </a:r>
-              </a:p>
-            </p:txBody>
-          </p:sp>
-        </mc:Fallback>
-      </mc:AlternateContent>
-      <p:pic>
-        <p:nvPicPr>
-          <p:cNvPr id="4" name="Picture 3">
-            <a:extLst>
-              <a:ext uri="{FF2B5EF4-FFF2-40B4-BE49-F238E27FC236}">
-                <a16:creationId xmlns:a16="http://schemas.microsoft.com/office/drawing/2014/main" id="{59F457AF-0ADD-83F8-2798-7BB29DD138D5}"/>
-              </a:ext>
-            </a:extLst>
-          </p:cNvPr>
-          <p:cNvPicPr>
-            <a:picLocks noChangeAspect="1"/>
-          </p:cNvPicPr>
-          <p:nvPr/>
-        </p:nvPicPr>
-        <p:blipFill>
-          <a:blip r:embed="rId3"/>
-          <a:stretch>
-            <a:fillRect/>
-          </a:stretch>
-        </p:blipFill>
-        <p:spPr>
-          <a:xfrm>
-            <a:off x="1460500" y="3429000"/>
-            <a:ext cx="3492500" cy="3136900"/>
-          </a:xfrm>
-          <a:prstGeom prst="rect">
-            <a:avLst/>
-          </a:prstGeom>
-        </p:spPr>
-      </p:pic>
-    </p:spTree>
-    <p:extLst>
-      <p:ext uri="{BB962C8B-B14F-4D97-AF65-F5344CB8AC3E}">
-        <p14:creationId xmlns:p14="http://schemas.microsoft.com/office/powerpoint/2010/main" val="1324297110"/>
-      </p:ext>
-    </p:extLst>
-  </p:cSld>
-  <p:clrMapOvr>
-    <a:masterClrMapping/>
-  </p:clrMapOvr>
-</p:sld>
-</file>
-
-<file path=ppt/slides/slide6.xml><?xml version="1.0" encoding="utf-8"?>
-<p:sld xmlns:a="http://schemas.openxmlformats.org/drawingml/2006/main" xmlns:r="http://schemas.openxmlformats.org/officeDocument/2006/relationships" xmlns:p="http://schemas.openxmlformats.org/presentationml/2006/main">
-  <p:cSld>
-    <p:spTree>
-      <p:nvGrpSpPr>
-        <p:cNvPr id="1" name=""/>
-        <p:cNvGrpSpPr/>
-        <p:nvPr/>
-      </p:nvGrpSpPr>
-      <p:grpSpPr>
-        <a:xfrm>
-          <a:off x="0" y="0"/>
-          <a:ext cx="0" cy="0"/>
-          <a:chOff x="0" y="0"/>
-          <a:chExt cx="0" cy="0"/>
-        </a:xfrm>
-      </p:grpSpPr>
-      <p:sp>
-        <p:nvSpPr>
-          <p:cNvPr id="2" name="Title 1">
-            <a:extLst>
-              <a:ext uri="{FF2B5EF4-FFF2-40B4-BE49-F238E27FC236}">
-                <a16:creationId xmlns:a16="http://schemas.microsoft.com/office/drawing/2014/main" id="{2A3C9554-6A87-A7FB-24BE-D93FF7343657}"/>
-              </a:ext>
-            </a:extLst>
-          </p:cNvPr>
-          <p:cNvSpPr>
-            <a:spLocks noGrp="1"/>
-          </p:cNvSpPr>
-          <p:nvPr>
-            <p:ph type="title"/>
-          </p:nvPr>
-        </p:nvSpPr>
-        <p:spPr/>
-        <p:txBody>
-          <a:bodyPr/>
-          <a:lstStyle/>
-          <a:p>
-            <a:r>
-              <a:rPr lang="en-US" dirty="0"/>
-              <a:t>Commuting matrix</a:t>
-            </a:r>
-          </a:p>
-        </p:txBody>
-      </p:sp>
-      <mc:AlternateContent xmlns:mc="http://schemas.openxmlformats.org/markup-compatibility/2006" xmlns:a14="http://schemas.microsoft.com/office/drawing/2010/main">
-        <mc:Choice Requires="a14">
-          <p:sp>
-            <p:nvSpPr>
-              <p:cNvPr id="3" name="Content Placeholder 2">
-                <a:extLst>
-                  <a:ext uri="{FF2B5EF4-FFF2-40B4-BE49-F238E27FC236}">
-                    <a16:creationId xmlns:a16="http://schemas.microsoft.com/office/drawing/2014/main" id="{3A1DC1D7-7239-3768-8518-0464BB65F923}"/>
-                  </a:ext>
-                </a:extLst>
-              </p:cNvPr>
-              <p:cNvSpPr>
-                <a:spLocks noGrp="1"/>
-              </p:cNvSpPr>
-              <p:nvPr>
-                <p:ph idx="1"/>
-              </p:nvPr>
-            </p:nvSpPr>
-            <p:spPr/>
-            <p:txBody>
-              <a:bodyPr/>
-              <a:lstStyle/>
-              <a:p>
-                <a:r>
-                  <a:rPr lang="en-US" dirty="0"/>
-                  <a:t>A </a:t>
-                </a:r>
-                <a14:m>
-                  <m:oMath xmlns:m="http://schemas.openxmlformats.org/officeDocument/2006/math">
-                    <m:r>
-                      <a:rPr lang="en-CA" i="1">
-                        <a:latin typeface="Cambria Math" panose="02040503050406030204" pitchFamily="18" charset="0"/>
-                      </a:rPr>
-                      <m:t>5</m:t>
-                    </m:r>
-                    <m:r>
-                      <a:rPr lang="en-CA" b="0" i="1" smtClean="0">
-                        <a:latin typeface="Cambria Math" panose="02040503050406030204" pitchFamily="18" charset="0"/>
-                      </a:rPr>
-                      <m:t>28 × 528</m:t>
-                    </m:r>
-                  </m:oMath>
-                </a14:m>
-                <a:r>
-                  <a:rPr lang="en-US" dirty="0"/>
-                  <a:t> matrix.</a:t>
-                </a:r>
-              </a:p>
-              <a:p>
-                <a:r>
-                  <a:rPr lang="en-US" dirty="0"/>
-                  <a:t>Each row represents a county of residence</a:t>
-                </a:r>
-              </a:p>
-              <a:p>
-                <a:r>
-                  <a:rPr lang="en-US" dirty="0"/>
-                  <a:t>Each column represents a county of work</a:t>
-                </a:r>
-              </a:p>
-              <a:p>
-                <a:endParaRPr lang="en-US" dirty="0"/>
-              </a:p>
-            </p:txBody>
-          </p:sp>
-        </mc:Choice>
-        <mc:Fallback xmlns="">
-          <p:sp>
-            <p:nvSpPr>
-              <p:cNvPr id="3" name="Content Placeholder 2">
-                <a:extLst>
-                  <a:ext uri="{FF2B5EF4-FFF2-40B4-BE49-F238E27FC236}">
-                    <a16:creationId xmlns:a16="http://schemas.microsoft.com/office/drawing/2014/main" id="{3A1DC1D7-7239-3768-8518-0464BB65F923}"/>
-                  </a:ext>
-                </a:extLst>
-              </p:cNvPr>
-              <p:cNvSpPr>
-                <a:spLocks noGrp="1" noRot="1" noChangeAspect="1" noMove="1" noResize="1" noEditPoints="1" noAdjustHandles="1" noChangeArrowheads="1" noChangeShapeType="1" noTextEdit="1"/>
-              </p:cNvSpPr>
-              <p:nvPr>
-                <p:ph idx="1"/>
-              </p:nvPr>
-            </p:nvSpPr>
-            <p:spPr>
-              <a:blipFill>
-                <a:blip r:embed="rId2"/>
-                <a:stretch>
-                  <a:fillRect l="-1086" t="-2326"/>
-                </a:stretch>
-              </a:blipFill>
-            </p:spPr>
-            <p:txBody>
-              <a:bodyPr/>
-              <a:lstStyle/>
-              <a:p>
-                <a:r>
-                  <a:rPr lang="en-US">
-                    <a:noFill/>
-                  </a:rPr>
-                  <a:t> </a:t>
-                </a:r>
-              </a:p>
-            </p:txBody>
-          </p:sp>
-        </mc:Fallback>
-      </mc:AlternateContent>
-    </p:spTree>
-    <p:extLst>
-      <p:ext uri="{BB962C8B-B14F-4D97-AF65-F5344CB8AC3E}">
-        <p14:creationId xmlns:p14="http://schemas.microsoft.com/office/powerpoint/2010/main" val="2894950715"/>
-      </p:ext>
-    </p:extLst>
-  </p:cSld>
-  <p:clrMapOvr>
-    <a:masterClrMapping/>
-  </p:clrMapOvr>
-</p:sld>
-</file>
-
-<file path=ppt/slides/slide7.xml><?xml version="1.0" encoding="utf-8"?>
-<p:sld xmlns:a="http://schemas.openxmlformats.org/drawingml/2006/main" xmlns:r="http://schemas.openxmlformats.org/officeDocument/2006/relationships" xmlns:p="http://schemas.openxmlformats.org/presentationml/2006/main">
-  <p:cSld>
-    <p:spTree>
-      <p:nvGrpSpPr>
-        <p:cNvPr id="1" name=""/>
-        <p:cNvGrpSpPr/>
-        <p:nvPr/>
-      </p:nvGrpSpPr>
-      <p:grpSpPr>
-        <a:xfrm>
-          <a:off x="0" y="0"/>
-          <a:ext cx="0" cy="0"/>
-          <a:chOff x="0" y="0"/>
-          <a:chExt cx="0" cy="0"/>
-        </a:xfrm>
-      </p:grpSpPr>
-      <p:sp>
-        <p:nvSpPr>
-          <p:cNvPr id="2" name="Title 1">
-            <a:extLst>
-              <a:ext uri="{FF2B5EF4-FFF2-40B4-BE49-F238E27FC236}">
-                <a16:creationId xmlns:a16="http://schemas.microsoft.com/office/drawing/2014/main" id="{5DF3C8B7-137F-809B-F388-2F716EAC54F7}"/>
-              </a:ext>
-            </a:extLst>
-          </p:cNvPr>
-          <p:cNvSpPr>
-            <a:spLocks noGrp="1"/>
-          </p:cNvSpPr>
-          <p:nvPr>
-            <p:ph type="title"/>
-          </p:nvPr>
-        </p:nvSpPr>
-        <p:spPr/>
-        <p:txBody>
-          <a:bodyPr/>
-          <a:lstStyle/>
-          <a:p>
-            <a:r>
-              <a:rPr lang="en-US" dirty="0"/>
-              <a:t>A simpler view</a:t>
-            </a:r>
-          </a:p>
-        </p:txBody>
-      </p:sp>
-      <p:sp>
-        <p:nvSpPr>
-          <p:cNvPr id="3" name="Content Placeholder 2">
-            <a:extLst>
-              <a:ext uri="{FF2B5EF4-FFF2-40B4-BE49-F238E27FC236}">
-                <a16:creationId xmlns:a16="http://schemas.microsoft.com/office/drawing/2014/main" id="{F6CA4956-BF0E-09ED-14FC-862907ABBBDC}"/>
-              </a:ext>
-            </a:extLst>
-          </p:cNvPr>
-          <p:cNvSpPr>
-            <a:spLocks noGrp="1"/>
-          </p:cNvSpPr>
-          <p:nvPr>
-            <p:ph idx="1"/>
-          </p:nvPr>
-        </p:nvSpPr>
-        <p:spPr/>
-        <p:txBody>
-          <a:bodyPr/>
-          <a:lstStyle/>
-          <a:p>
-            <a:r>
-              <a:rPr lang="en-US" dirty="0"/>
-              <a:t>Let’s consider the case where there are only three counties.</a:t>
-            </a:r>
-          </a:p>
-          <a:p>
-            <a:r>
-              <a:rPr lang="en-US" dirty="0"/>
-              <a:t>Here, we know</a:t>
-            </a:r>
-          </a:p>
-          <a:p>
-            <a:r>
-              <a:rPr lang="en-US" dirty="0"/>
-              <a:t>No. people live &amp; work in Toronto: 10000</a:t>
-            </a:r>
-          </a:p>
-          <a:p>
-            <a:r>
-              <a:rPr lang="en-US" dirty="0"/>
-              <a:t>No. people live in Toronto &amp; work in Markham:”</a:t>
-            </a:r>
-          </a:p>
-          <a:p>
-            <a:pPr marL="0" indent="0">
-              <a:buNone/>
-            </a:pPr>
-            <a:r>
-              <a:rPr lang="en-US" dirty="0"/>
-              <a:t>2000</a:t>
-            </a:r>
-          </a:p>
-          <a:p>
-            <a:pPr marL="0" indent="0">
-              <a:buNone/>
-            </a:pPr>
-            <a:r>
-              <a:rPr lang="en-US" dirty="0"/>
-              <a:t>Etc.</a:t>
-            </a:r>
-          </a:p>
-          <a:p>
-            <a:pPr marL="0" indent="0">
-              <a:buNone/>
-            </a:pPr>
-            <a:endParaRPr lang="en-US" dirty="0"/>
-          </a:p>
-        </p:txBody>
-      </p:sp>
-      <p:sp>
-        <p:nvSpPr>
-          <p:cNvPr id="4" name="Oval 3">
-            <a:extLst>
-              <a:ext uri="{FF2B5EF4-FFF2-40B4-BE49-F238E27FC236}">
-                <a16:creationId xmlns:a16="http://schemas.microsoft.com/office/drawing/2014/main" id="{95D29FFB-FE93-CC20-4F19-417195E01A23}"/>
-              </a:ext>
-            </a:extLst>
-          </p:cNvPr>
-          <p:cNvSpPr/>
-          <p:nvPr/>
-        </p:nvSpPr>
-        <p:spPr>
-          <a:xfrm>
-            <a:off x="8315605" y="2704017"/>
-            <a:ext cx="1563985" cy="1561340"/>
-          </a:xfrm>
-          <a:prstGeom prst="ellipse">
-            <a:avLst/>
-          </a:prstGeom>
-        </p:spPr>
-        <p:style>
-          <a:lnRef idx="2">
-            <a:schemeClr val="accent1">
-              <a:shade val="50000"/>
-            </a:schemeClr>
-          </a:lnRef>
-          <a:fillRef idx="1">
-            <a:schemeClr val="accent1"/>
-          </a:fillRef>
-          <a:effectRef idx="0">
-            <a:schemeClr val="accent1"/>
-          </a:effectRef>
-          <a:fontRef idx="minor">
-            <a:schemeClr val="lt1"/>
-          </a:fontRef>
-        </p:style>
-        <p:txBody>
-          <a:bodyPr rtlCol="0" anchor="ctr"/>
-          <a:lstStyle/>
-          <a:p>
-            <a:pPr algn="ctr"/>
-            <a:r>
-              <a:rPr lang="en-US" dirty="0"/>
-              <a:t>Toronto</a:t>
-            </a:r>
-          </a:p>
-        </p:txBody>
-      </p:sp>
-      <p:sp>
-        <p:nvSpPr>
-          <p:cNvPr id="8" name="Oval 7">
-            <a:extLst>
-              <a:ext uri="{FF2B5EF4-FFF2-40B4-BE49-F238E27FC236}">
-                <a16:creationId xmlns:a16="http://schemas.microsoft.com/office/drawing/2014/main" id="{FE43BAAB-02B4-21A2-0383-D6658488DB1D}"/>
-              </a:ext>
-            </a:extLst>
-          </p:cNvPr>
-          <p:cNvSpPr/>
-          <p:nvPr/>
-        </p:nvSpPr>
-        <p:spPr>
-          <a:xfrm>
-            <a:off x="7251172" y="4477871"/>
-            <a:ext cx="1563985" cy="1561340"/>
-          </a:xfrm>
-          <a:prstGeom prst="ellipse">
-            <a:avLst/>
-          </a:prstGeom>
-        </p:spPr>
-        <p:style>
-          <a:lnRef idx="2">
-            <a:schemeClr val="accent1">
-              <a:shade val="50000"/>
-            </a:schemeClr>
-          </a:lnRef>
-          <a:fillRef idx="1">
-            <a:schemeClr val="accent1"/>
-          </a:fillRef>
-          <a:effectRef idx="0">
-            <a:schemeClr val="accent1"/>
-          </a:effectRef>
-          <a:fontRef idx="minor">
-            <a:schemeClr val="lt1"/>
-          </a:fontRef>
-        </p:style>
-        <p:txBody>
-          <a:bodyPr rtlCol="0" anchor="ctr"/>
-          <a:lstStyle/>
-          <a:p>
-            <a:pPr algn="ctr"/>
-            <a:r>
-              <a:rPr lang="en-US" dirty="0"/>
-              <a:t>Markham</a:t>
-            </a:r>
-          </a:p>
-        </p:txBody>
-      </p:sp>
-      <p:sp>
-        <p:nvSpPr>
-          <p:cNvPr id="10" name="Oval 9">
-            <a:extLst>
-              <a:ext uri="{FF2B5EF4-FFF2-40B4-BE49-F238E27FC236}">
-                <a16:creationId xmlns:a16="http://schemas.microsoft.com/office/drawing/2014/main" id="{4282B167-90EF-564B-5F77-AF46BB6FE185}"/>
-              </a:ext>
-            </a:extLst>
-          </p:cNvPr>
-          <p:cNvSpPr/>
-          <p:nvPr/>
-        </p:nvSpPr>
-        <p:spPr>
-          <a:xfrm>
-            <a:off x="9417041" y="4477871"/>
-            <a:ext cx="1563985" cy="1561340"/>
-          </a:xfrm>
-          <a:prstGeom prst="ellipse">
-            <a:avLst/>
-          </a:prstGeom>
-        </p:spPr>
-        <p:style>
-          <a:lnRef idx="2">
-            <a:schemeClr val="accent1">
-              <a:shade val="50000"/>
-            </a:schemeClr>
-          </a:lnRef>
-          <a:fillRef idx="1">
-            <a:schemeClr val="accent1"/>
-          </a:fillRef>
-          <a:effectRef idx="0">
-            <a:schemeClr val="accent1"/>
-          </a:effectRef>
-          <a:fontRef idx="minor">
-            <a:schemeClr val="lt1"/>
-          </a:fontRef>
-        </p:style>
-        <p:txBody>
-          <a:bodyPr rtlCol="0" anchor="ctr"/>
-          <a:lstStyle/>
-          <a:p>
-            <a:pPr algn="ctr"/>
-            <a:r>
-              <a:rPr lang="en-US" dirty="0"/>
-              <a:t>North York</a:t>
-            </a:r>
-          </a:p>
-        </p:txBody>
-      </p:sp>
-      <p:cxnSp>
-        <p:nvCxnSpPr>
-          <p:cNvPr id="14" name="Straight Arrow Connector 13">
-            <a:extLst>
-              <a:ext uri="{FF2B5EF4-FFF2-40B4-BE49-F238E27FC236}">
-                <a16:creationId xmlns:a16="http://schemas.microsoft.com/office/drawing/2014/main" id="{AD94BC77-20B7-940F-4001-2654ED4D9341}"/>
-              </a:ext>
-            </a:extLst>
-          </p:cNvPr>
-          <p:cNvCxnSpPr>
-            <a:cxnSpLocks/>
-            <a:stCxn id="4" idx="5"/>
-            <a:endCxn id="10" idx="0"/>
-          </p:cNvCxnSpPr>
-          <p:nvPr/>
-        </p:nvCxnSpPr>
-        <p:spPr>
-          <a:xfrm>
-            <a:off x="9650550" y="4036704"/>
-            <a:ext cx="548484" cy="441167"/>
-          </a:xfrm>
-          <a:prstGeom prst="straightConnector1">
-            <a:avLst/>
-          </a:prstGeom>
-          <a:ln>
-            <a:headEnd type="triangle"/>
-            <a:tailEnd type="triangle"/>
-          </a:ln>
-        </p:spPr>
-        <p:style>
-          <a:lnRef idx="3">
-            <a:schemeClr val="dk1"/>
-          </a:lnRef>
-          <a:fillRef idx="0">
-            <a:schemeClr val="dk1"/>
-          </a:fillRef>
-          <a:effectRef idx="2">
-            <a:schemeClr val="dk1"/>
-          </a:effectRef>
-          <a:fontRef idx="minor">
-            <a:schemeClr val="tx1"/>
-          </a:fontRef>
-        </p:style>
-      </p:cxnSp>
-      <p:cxnSp>
-        <p:nvCxnSpPr>
-          <p:cNvPr id="16" name="Straight Arrow Connector 15">
-            <a:extLst>
-              <a:ext uri="{FF2B5EF4-FFF2-40B4-BE49-F238E27FC236}">
-                <a16:creationId xmlns:a16="http://schemas.microsoft.com/office/drawing/2014/main" id="{48ABC956-6175-45BD-1B1B-D2010033923C}"/>
-              </a:ext>
-            </a:extLst>
-          </p:cNvPr>
-          <p:cNvCxnSpPr>
-            <a:cxnSpLocks/>
-            <a:stCxn id="8" idx="6"/>
-            <a:endCxn id="10" idx="2"/>
-          </p:cNvCxnSpPr>
-          <p:nvPr/>
-        </p:nvCxnSpPr>
-        <p:spPr>
-          <a:xfrm>
-            <a:off x="8815157" y="5258541"/>
-            <a:ext cx="601884" cy="0"/>
-          </a:xfrm>
-          <a:prstGeom prst="straightConnector1">
-            <a:avLst/>
-          </a:prstGeom>
-          <a:ln>
-            <a:headEnd type="triangle"/>
-            <a:tailEnd type="triangle"/>
-          </a:ln>
-        </p:spPr>
-        <p:style>
-          <a:lnRef idx="3">
-            <a:schemeClr val="dk1"/>
-          </a:lnRef>
-          <a:fillRef idx="0">
-            <a:schemeClr val="dk1"/>
-          </a:fillRef>
-          <a:effectRef idx="2">
-            <a:schemeClr val="dk1"/>
-          </a:effectRef>
-          <a:fontRef idx="minor">
-            <a:schemeClr val="tx1"/>
-          </a:fontRef>
-        </p:style>
-      </p:cxnSp>
-      <p:cxnSp>
-        <p:nvCxnSpPr>
-          <p:cNvPr id="19" name="Straight Arrow Connector 18">
-            <a:extLst>
-              <a:ext uri="{FF2B5EF4-FFF2-40B4-BE49-F238E27FC236}">
-                <a16:creationId xmlns:a16="http://schemas.microsoft.com/office/drawing/2014/main" id="{8D50DDAE-52F1-4976-F1DA-0B61624180FE}"/>
-              </a:ext>
-            </a:extLst>
-          </p:cNvPr>
-          <p:cNvCxnSpPr>
-            <a:cxnSpLocks/>
-            <a:stCxn id="4" idx="3"/>
-            <a:endCxn id="8" idx="0"/>
-          </p:cNvCxnSpPr>
-          <p:nvPr/>
-        </p:nvCxnSpPr>
-        <p:spPr>
-          <a:xfrm flipH="1">
-            <a:off x="8033165" y="4036704"/>
-            <a:ext cx="511480" cy="441167"/>
-          </a:xfrm>
-          <a:prstGeom prst="straightConnector1">
-            <a:avLst/>
-          </a:prstGeom>
-          <a:ln>
-            <a:headEnd type="triangle"/>
-            <a:tailEnd type="triangle"/>
-          </a:ln>
-        </p:spPr>
-        <p:style>
-          <a:lnRef idx="3">
-            <a:schemeClr val="dk1"/>
-          </a:lnRef>
-          <a:fillRef idx="0">
-            <a:schemeClr val="dk1"/>
-          </a:fillRef>
-          <a:effectRef idx="2">
-            <a:schemeClr val="dk1"/>
-          </a:effectRef>
-          <a:fontRef idx="minor">
-            <a:schemeClr val="tx1"/>
-          </a:fontRef>
-        </p:style>
-      </p:cxnSp>
-      <p:pic>
-        <p:nvPicPr>
-          <p:cNvPr id="23" name="Picture 22">
-            <a:extLst>
-              <a:ext uri="{FF2B5EF4-FFF2-40B4-BE49-F238E27FC236}">
-                <a16:creationId xmlns:a16="http://schemas.microsoft.com/office/drawing/2014/main" id="{7C694B65-D58C-09EC-EF92-B8F286312976}"/>
-              </a:ext>
-            </a:extLst>
-          </p:cNvPr>
-          <p:cNvPicPr>
-            <a:picLocks noChangeAspect="1"/>
-          </p:cNvPicPr>
-          <p:nvPr/>
-        </p:nvPicPr>
-        <p:blipFill>
-          <a:blip r:embed="rId2"/>
-          <a:stretch>
-            <a:fillRect/>
-          </a:stretch>
-        </p:blipFill>
-        <p:spPr>
-          <a:xfrm>
-            <a:off x="7735350" y="54576"/>
-            <a:ext cx="4043895" cy="1771049"/>
-          </a:xfrm>
-          <a:prstGeom prst="rect">
-            <a:avLst/>
-          </a:prstGeom>
-        </p:spPr>
-      </p:pic>
-    </p:spTree>
-    <p:extLst>
-      <p:ext uri="{BB962C8B-B14F-4D97-AF65-F5344CB8AC3E}">
-        <p14:creationId xmlns:p14="http://schemas.microsoft.com/office/powerpoint/2010/main" val="2985603208"/>
-      </p:ext>
-    </p:extLst>
-  </p:cSld>
-  <p:clrMapOvr>
-    <a:masterClrMapping/>
-  </p:clrMapOvr>
-</p:sld>
-</file>
-
-<file path=ppt/slides/slide8.xml><?xml version="1.0" encoding="utf-8"?>
-<p:sld xmlns:a="http://schemas.openxmlformats.org/drawingml/2006/main" xmlns:r="http://schemas.openxmlformats.org/officeDocument/2006/relationships" xmlns:p="http://schemas.openxmlformats.org/presentationml/2006/main">
-  <p:cSld>
-    <p:spTree>
-      <p:nvGrpSpPr>
-        <p:cNvPr id="1" name=""/>
-        <p:cNvGrpSpPr/>
-        <p:nvPr/>
-      </p:nvGrpSpPr>
-      <p:grpSpPr>
-        <a:xfrm>
-          <a:off x="0" y="0"/>
-          <a:ext cx="0" cy="0"/>
-          <a:chOff x="0" y="0"/>
-          <a:chExt cx="0" cy="0"/>
-        </a:xfrm>
-      </p:grpSpPr>
-      <p:sp>
-        <p:nvSpPr>
-          <p:cNvPr id="2" name="Title 1">
-            <a:extLst>
-              <a:ext uri="{FF2B5EF4-FFF2-40B4-BE49-F238E27FC236}">
-                <a16:creationId xmlns:a16="http://schemas.microsoft.com/office/drawing/2014/main" id="{50D6C91B-08AD-DA2D-FE36-6D093D7DDA10}"/>
-              </a:ext>
-            </a:extLst>
-          </p:cNvPr>
-          <p:cNvSpPr>
-            <a:spLocks noGrp="1"/>
-          </p:cNvSpPr>
-          <p:nvPr>
-            <p:ph type="title"/>
-          </p:nvPr>
-        </p:nvSpPr>
-        <p:spPr/>
-        <p:txBody>
-          <a:bodyPr/>
-          <a:lstStyle/>
-          <a:p>
-            <a:r>
-              <a:rPr lang="en-US" dirty="0"/>
               <a:t>Modelling infection – naïve</a:t>
             </a:r>
           </a:p>
         </p:txBody>
       </p:sp>
-      <mc:AlternateContent xmlns:mc="http://schemas.openxmlformats.org/markup-compatibility/2006" xmlns:a14="http://schemas.microsoft.com/office/drawing/2010/main">
-        <mc:Choice Requires="a14">
+      <mc:AlternateContent xmlns:mc="http://schemas.openxmlformats.org/markup-compatibility/2006">
+        <mc:Choice xmlns:a14="http://schemas.microsoft.com/office/drawing/2010/main" Requires="a14">
           <p:sp>
             <p:nvSpPr>
               <p:cNvPr id="3" name="Content Placeholder 2">
@@ -7727,7 +6807,7 @@
               <a:p>
                 <a:r>
                   <a:rPr lang="en-US" dirty="0"/>
-                  <a:t>Total number of transmissive individuals on a specific day: </a:t>
+                  <a:t>Number of transmissive individuals on a specific day: </a:t>
                 </a:r>
                 <a14:m>
                   <m:oMath xmlns:m="http://schemas.openxmlformats.org/officeDocument/2006/math">
@@ -7881,7 +6961,7 @@
             </p:txBody>
           </p:sp>
         </mc:Choice>
-        <mc:Fallback xmlns="">
+        <mc:Fallback>
           <p:sp>
             <p:nvSpPr>
               <p:cNvPr id="3" name="Content Placeholder 2">
@@ -7902,7 +6982,624 @@
               <a:blipFill>
                 <a:blip r:embed="rId2"/>
                 <a:stretch>
-                  <a:fillRect l="-1206" t="-2326"/>
+                  <a:fillRect l="-1217" t="-2241"/>
+                </a:stretch>
+              </a:blipFill>
+            </p:spPr>
+            <p:txBody>
+              <a:bodyPr/>
+              <a:lstStyle/>
+              <a:p>
+                <a:r>
+                  <a:rPr lang="en-CA">
+                    <a:noFill/>
+                  </a:rPr>
+                  <a:t> </a:t>
+                </a:r>
+              </a:p>
+            </p:txBody>
+          </p:sp>
+        </mc:Fallback>
+      </mc:AlternateContent>
+    </p:spTree>
+    <p:extLst>
+      <p:ext uri="{BB962C8B-B14F-4D97-AF65-F5344CB8AC3E}">
+        <p14:creationId xmlns:p14="http://schemas.microsoft.com/office/powerpoint/2010/main" val="4267190613"/>
+      </p:ext>
+    </p:extLst>
+  </p:cSld>
+  <p:clrMapOvr>
+    <a:masterClrMapping/>
+  </p:clrMapOvr>
+</p:sld>
+</file>
+
+<file path=ppt/slides/slide4.xml><?xml version="1.0" encoding="utf-8"?>
+<p:sld xmlns:a="http://schemas.openxmlformats.org/drawingml/2006/main" xmlns:r="http://schemas.openxmlformats.org/officeDocument/2006/relationships" xmlns:p="http://schemas.openxmlformats.org/presentationml/2006/main">
+  <p:cSld>
+    <p:spTree>
+      <p:nvGrpSpPr>
+        <p:cNvPr id="1" name=""/>
+        <p:cNvGrpSpPr/>
+        <p:nvPr/>
+      </p:nvGrpSpPr>
+      <p:grpSpPr>
+        <a:xfrm>
+          <a:off x="0" y="0"/>
+          <a:ext cx="0" cy="0"/>
+          <a:chOff x="0" y="0"/>
+          <a:chExt cx="0" cy="0"/>
+        </a:xfrm>
+      </p:grpSpPr>
+      <p:sp>
+        <p:nvSpPr>
+          <p:cNvPr id="2" name="Title 1">
+            <a:extLst>
+              <a:ext uri="{FF2B5EF4-FFF2-40B4-BE49-F238E27FC236}">
+                <a16:creationId xmlns:a16="http://schemas.microsoft.com/office/drawing/2014/main" id="{267C7795-217A-4172-1E48-D80B702F6B58}"/>
+              </a:ext>
+            </a:extLst>
+          </p:cNvPr>
+          <p:cNvSpPr>
+            <a:spLocks noGrp="1"/>
+          </p:cNvSpPr>
+          <p:nvPr>
+            <p:ph type="title"/>
+          </p:nvPr>
+        </p:nvSpPr>
+        <p:spPr/>
+        <p:txBody>
+          <a:bodyPr/>
+          <a:lstStyle/>
+          <a:p>
+            <a:r>
+              <a:rPr lang="en-US" dirty="0"/>
+              <a:t>Geographical Stratification</a:t>
+            </a:r>
+          </a:p>
+        </p:txBody>
+      </p:sp>
+      <p:sp>
+        <p:nvSpPr>
+          <p:cNvPr id="3" name="Content Placeholder 2">
+            <a:extLst>
+              <a:ext uri="{FF2B5EF4-FFF2-40B4-BE49-F238E27FC236}">
+                <a16:creationId xmlns:a16="http://schemas.microsoft.com/office/drawing/2014/main" id="{3B632266-C27E-F62A-5249-A7F65883F668}"/>
+              </a:ext>
+            </a:extLst>
+          </p:cNvPr>
+          <p:cNvSpPr>
+            <a:spLocks noGrp="1"/>
+          </p:cNvSpPr>
+          <p:nvPr>
+            <p:ph idx="1"/>
+          </p:nvPr>
+        </p:nvSpPr>
+        <p:spPr/>
+        <p:txBody>
+          <a:bodyPr/>
+          <a:lstStyle/>
+          <a:p>
+            <a:r>
+              <a:rPr lang="en-US" dirty="0"/>
+              <a:t>Ontario has </a:t>
+            </a:r>
+          </a:p>
+          <a:p>
+            <a:r>
+              <a:rPr lang="en-US" dirty="0"/>
+              <a:t>26 Public Health Units</a:t>
+            </a:r>
+          </a:p>
+          <a:p>
+            <a:r>
+              <a:rPr lang="en-US" dirty="0"/>
+              <a:t>50 administrative districts</a:t>
+            </a:r>
+          </a:p>
+          <a:p>
+            <a:r>
+              <a:rPr lang="en-US" dirty="0"/>
+              <a:t>528 counties</a:t>
+            </a:r>
+          </a:p>
+          <a:p>
+            <a:pPr marL="0" indent="0">
+              <a:buNone/>
+            </a:pPr>
+            <a:r>
+              <a:rPr lang="en-US" dirty="0"/>
+              <a:t>We have following data of each county:</a:t>
+            </a:r>
+          </a:p>
+          <a:p>
+            <a:pPr>
+              <a:buFont typeface="Courier New" panose="02070309020205020404" pitchFamily="49" charset="0"/>
+              <a:buChar char="o"/>
+            </a:pPr>
+            <a:r>
+              <a:rPr lang="en-US" dirty="0"/>
+              <a:t> Population</a:t>
+            </a:r>
+          </a:p>
+          <a:p>
+            <a:pPr>
+              <a:buFont typeface="Courier New" panose="02070309020205020404" pitchFamily="49" charset="0"/>
+              <a:buChar char="o"/>
+            </a:pPr>
+            <a:r>
+              <a:rPr lang="en-US" dirty="0"/>
+              <a:t> Commuting matrix</a:t>
+            </a:r>
+          </a:p>
+          <a:p>
+            <a:pPr marL="0" indent="0">
+              <a:buNone/>
+            </a:pPr>
+            <a:endParaRPr lang="en-US" dirty="0"/>
+          </a:p>
+        </p:txBody>
+      </p:sp>
+    </p:spTree>
+    <p:extLst>
+      <p:ext uri="{BB962C8B-B14F-4D97-AF65-F5344CB8AC3E}">
+        <p14:creationId xmlns:p14="http://schemas.microsoft.com/office/powerpoint/2010/main" val="4203377485"/>
+      </p:ext>
+    </p:extLst>
+  </p:cSld>
+  <p:clrMapOvr>
+    <a:masterClrMapping/>
+  </p:clrMapOvr>
+</p:sld>
+</file>
+
+<file path=ppt/slides/slide5.xml><?xml version="1.0" encoding="utf-8"?>
+<p:sld xmlns:a="http://schemas.openxmlformats.org/drawingml/2006/main" xmlns:r="http://schemas.openxmlformats.org/officeDocument/2006/relationships" xmlns:p="http://schemas.openxmlformats.org/presentationml/2006/main">
+  <p:cSld>
+    <p:spTree>
+      <p:nvGrpSpPr>
+        <p:cNvPr id="1" name=""/>
+        <p:cNvGrpSpPr/>
+        <p:nvPr/>
+      </p:nvGrpSpPr>
+      <p:grpSpPr>
+        <a:xfrm>
+          <a:off x="0" y="0"/>
+          <a:ext cx="0" cy="0"/>
+          <a:chOff x="0" y="0"/>
+          <a:chExt cx="0" cy="0"/>
+        </a:xfrm>
+      </p:grpSpPr>
+      <p:sp>
+        <p:nvSpPr>
+          <p:cNvPr id="2" name="Title 1">
+            <a:extLst>
+              <a:ext uri="{FF2B5EF4-FFF2-40B4-BE49-F238E27FC236}">
+                <a16:creationId xmlns:a16="http://schemas.microsoft.com/office/drawing/2014/main" id="{07B670AD-5C81-1810-487C-2F41EC021375}"/>
+              </a:ext>
+            </a:extLst>
+          </p:cNvPr>
+          <p:cNvSpPr>
+            <a:spLocks noGrp="1"/>
+          </p:cNvSpPr>
+          <p:nvPr>
+            <p:ph type="title"/>
+          </p:nvPr>
+        </p:nvSpPr>
+        <p:spPr/>
+        <p:txBody>
+          <a:bodyPr/>
+          <a:lstStyle/>
+          <a:p>
+            <a:r>
+              <a:rPr lang="en-US" dirty="0"/>
+              <a:t>Age stratification</a:t>
+            </a:r>
+          </a:p>
+        </p:txBody>
+      </p:sp>
+      <p:sp>
+        <p:nvSpPr>
+          <p:cNvPr id="3" name="Content Placeholder 2">
+            <a:extLst>
+              <a:ext uri="{FF2B5EF4-FFF2-40B4-BE49-F238E27FC236}">
+                <a16:creationId xmlns:a16="http://schemas.microsoft.com/office/drawing/2014/main" id="{D4ED820F-8528-39D0-5C32-5D67332DA7F8}"/>
+              </a:ext>
+            </a:extLst>
+          </p:cNvPr>
+          <p:cNvSpPr>
+            <a:spLocks noGrp="1"/>
+          </p:cNvSpPr>
+          <p:nvPr>
+            <p:ph idx="1"/>
+          </p:nvPr>
+        </p:nvSpPr>
+        <p:spPr/>
+        <p:txBody>
+          <a:bodyPr/>
+          <a:lstStyle/>
+          <a:p>
+            <a:r>
+              <a:rPr lang="en-US" dirty="0"/>
+              <a:t>We stratified the Ontario population into 16 age-bands, as</a:t>
+            </a:r>
+          </a:p>
+          <a:p>
+            <a:pPr marL="0" indent="0" algn="ctr">
+              <a:buNone/>
+            </a:pPr>
+            <a:r>
+              <a:rPr lang="en-US" dirty="0"/>
+              <a:t>{0 to 4, 5 to 9, … , 70 to 74, 75 +}</a:t>
+            </a:r>
+          </a:p>
+          <a:p>
+            <a:r>
+              <a:rPr lang="en-US" dirty="0"/>
+              <a:t>To correspond with the contact matrix</a:t>
+            </a:r>
+            <a:r>
+              <a:rPr lang="en-US" altLang="zh-CN" dirty="0"/>
+              <a:t>, </a:t>
+            </a:r>
+            <a:r>
+              <a:rPr lang="en-CA" altLang="zh-CN" dirty="0"/>
+              <a:t>case-fatality-rate, susceptibility, and vaccination level</a:t>
+            </a:r>
+            <a:endParaRPr lang="en-US" dirty="0"/>
+          </a:p>
+        </p:txBody>
+      </p:sp>
+    </p:spTree>
+    <p:extLst>
+      <p:ext uri="{BB962C8B-B14F-4D97-AF65-F5344CB8AC3E}">
+        <p14:creationId xmlns:p14="http://schemas.microsoft.com/office/powerpoint/2010/main" val="1808280065"/>
+      </p:ext>
+    </p:extLst>
+  </p:cSld>
+  <p:clrMapOvr>
+    <a:masterClrMapping/>
+  </p:clrMapOvr>
+</p:sld>
+</file>
+
+<file path=ppt/slides/slide6.xml><?xml version="1.0" encoding="utf-8"?>
+<p:sld xmlns:a="http://schemas.openxmlformats.org/drawingml/2006/main" xmlns:r="http://schemas.openxmlformats.org/officeDocument/2006/relationships" xmlns:p="http://schemas.openxmlformats.org/presentationml/2006/main">
+  <p:cSld>
+    <p:spTree>
+      <p:nvGrpSpPr>
+        <p:cNvPr id="1" name=""/>
+        <p:cNvGrpSpPr/>
+        <p:nvPr/>
+      </p:nvGrpSpPr>
+      <p:grpSpPr>
+        <a:xfrm>
+          <a:off x="0" y="0"/>
+          <a:ext cx="0" cy="0"/>
+          <a:chOff x="0" y="0"/>
+          <a:chExt cx="0" cy="0"/>
+        </a:xfrm>
+      </p:grpSpPr>
+      <p:sp>
+        <p:nvSpPr>
+          <p:cNvPr id="2" name="Title 1">
+            <a:extLst>
+              <a:ext uri="{FF2B5EF4-FFF2-40B4-BE49-F238E27FC236}">
+                <a16:creationId xmlns:a16="http://schemas.microsoft.com/office/drawing/2014/main" id="{88873CBB-615E-5913-9F71-7FCCB2823BCD}"/>
+              </a:ext>
+            </a:extLst>
+          </p:cNvPr>
+          <p:cNvSpPr>
+            <a:spLocks noGrp="1"/>
+          </p:cNvSpPr>
+          <p:nvPr>
+            <p:ph type="title"/>
+          </p:nvPr>
+        </p:nvSpPr>
+        <p:spPr/>
+        <p:txBody>
+          <a:bodyPr/>
+          <a:lstStyle/>
+          <a:p>
+            <a:r>
+              <a:rPr lang="en-US" dirty="0"/>
+              <a:t>Contact matrix</a:t>
+            </a:r>
+          </a:p>
+        </p:txBody>
+      </p:sp>
+      <mc:AlternateContent xmlns:mc="http://schemas.openxmlformats.org/markup-compatibility/2006" xmlns:a14="http://schemas.microsoft.com/office/drawing/2010/main">
+        <mc:Choice Requires="a14">
+          <p:sp>
+            <p:nvSpPr>
+              <p:cNvPr id="3" name="Content Placeholder 2">
+                <a:extLst>
+                  <a:ext uri="{FF2B5EF4-FFF2-40B4-BE49-F238E27FC236}">
+                    <a16:creationId xmlns:a16="http://schemas.microsoft.com/office/drawing/2014/main" id="{1536AA4B-6532-6B6B-D38D-5F9C377742F7}"/>
+                  </a:ext>
+                </a:extLst>
+              </p:cNvPr>
+              <p:cNvSpPr>
+                <a:spLocks noGrp="1"/>
+              </p:cNvSpPr>
+              <p:nvPr>
+                <p:ph idx="1"/>
+              </p:nvPr>
+            </p:nvSpPr>
+            <p:spPr/>
+            <p:txBody>
+              <a:bodyPr/>
+              <a:lstStyle/>
+              <a:p>
+                <a:r>
+                  <a:rPr lang="en-US" dirty="0"/>
+                  <a:t>A </a:t>
+                </a:r>
+                <a14:m>
+                  <m:oMath xmlns:m="http://schemas.openxmlformats.org/officeDocument/2006/math">
+                    <m:r>
+                      <a:rPr lang="en-CA" b="0" i="1" smtClean="0">
+                        <a:latin typeface="Cambria Math" panose="02040503050406030204" pitchFamily="18" charset="0"/>
+                      </a:rPr>
+                      <m:t>16 × 16</m:t>
+                    </m:r>
+                  </m:oMath>
+                </a14:m>
+                <a:r>
+                  <a:rPr lang="en-US" dirty="0"/>
+                  <a:t> matrix.</a:t>
+                </a:r>
+              </a:p>
+              <a:p>
+                <a:r>
+                  <a:rPr lang="en-US" dirty="0"/>
+                  <a:t>Each row represents a five-year age band of </a:t>
+                </a:r>
+                <a:r>
+                  <a:rPr lang="en-US" dirty="0" err="1"/>
+                  <a:t>contacters</a:t>
+                </a:r>
+                <a:endParaRPr lang="en-US" dirty="0"/>
+              </a:p>
+              <a:p>
+                <a:r>
+                  <a:rPr lang="en-US" dirty="0"/>
+                  <a:t>Each column represents a five-year age band of </a:t>
+                </a:r>
+                <a:r>
+                  <a:rPr lang="en-US" dirty="0" err="1"/>
+                  <a:t>contactees</a:t>
+                </a:r>
+                <a:endParaRPr lang="en-US" dirty="0"/>
+              </a:p>
+              <a:p>
+                <a:pPr marL="0" indent="0">
+                  <a:buNone/>
+                </a:pPr>
+                <a:endParaRPr lang="en-US" dirty="0"/>
+              </a:p>
+              <a:p>
+                <a:endParaRPr lang="en-US" dirty="0"/>
+              </a:p>
+            </p:txBody>
+          </p:sp>
+        </mc:Choice>
+        <mc:Fallback xmlns="">
+          <p:sp>
+            <p:nvSpPr>
+              <p:cNvPr id="3" name="Content Placeholder 2">
+                <a:extLst>
+                  <a:ext uri="{FF2B5EF4-FFF2-40B4-BE49-F238E27FC236}">
+                    <a16:creationId xmlns:a16="http://schemas.microsoft.com/office/drawing/2014/main" id="{1536AA4B-6532-6B6B-D38D-5F9C377742F7}"/>
+                  </a:ext>
+                </a:extLst>
+              </p:cNvPr>
+              <p:cNvSpPr>
+                <a:spLocks noGrp="1" noRot="1" noChangeAspect="1" noMove="1" noResize="1" noEditPoints="1" noAdjustHandles="1" noChangeArrowheads="1" noChangeShapeType="1" noTextEdit="1"/>
+              </p:cNvSpPr>
+              <p:nvPr>
+                <p:ph idx="1"/>
+              </p:nvPr>
+            </p:nvSpPr>
+            <p:spPr>
+              <a:blipFill>
+                <a:blip r:embed="rId2"/>
+                <a:stretch>
+                  <a:fillRect l="-1086" t="-2326"/>
+                </a:stretch>
+              </a:blipFill>
+            </p:spPr>
+            <p:txBody>
+              <a:bodyPr/>
+              <a:lstStyle/>
+              <a:p>
+                <a:r>
+                  <a:rPr lang="en-US">
+                    <a:noFill/>
+                  </a:rPr>
+                  <a:t> </a:t>
+                </a:r>
+              </a:p>
+            </p:txBody>
+          </p:sp>
+        </mc:Fallback>
+      </mc:AlternateContent>
+      <p:pic>
+        <p:nvPicPr>
+          <p:cNvPr id="4" name="Picture 3">
+            <a:extLst>
+              <a:ext uri="{FF2B5EF4-FFF2-40B4-BE49-F238E27FC236}">
+                <a16:creationId xmlns:a16="http://schemas.microsoft.com/office/drawing/2014/main" id="{59F457AF-0ADD-83F8-2798-7BB29DD138D5}"/>
+              </a:ext>
+            </a:extLst>
+          </p:cNvPr>
+          <p:cNvPicPr>
+            <a:picLocks noChangeAspect="1"/>
+          </p:cNvPicPr>
+          <p:nvPr/>
+        </p:nvPicPr>
+        <p:blipFill>
+          <a:blip r:embed="rId3"/>
+          <a:stretch>
+            <a:fillRect/>
+          </a:stretch>
+        </p:blipFill>
+        <p:spPr>
+          <a:xfrm>
+            <a:off x="1460500" y="3429000"/>
+            <a:ext cx="3492500" cy="3136900"/>
+          </a:xfrm>
+          <a:prstGeom prst="rect">
+            <a:avLst/>
+          </a:prstGeom>
+        </p:spPr>
+      </p:pic>
+    </p:spTree>
+    <p:extLst>
+      <p:ext uri="{BB962C8B-B14F-4D97-AF65-F5344CB8AC3E}">
+        <p14:creationId xmlns:p14="http://schemas.microsoft.com/office/powerpoint/2010/main" val="1324297110"/>
+      </p:ext>
+    </p:extLst>
+  </p:cSld>
+  <p:clrMapOvr>
+    <a:masterClrMapping/>
+  </p:clrMapOvr>
+</p:sld>
+</file>
+
+<file path=ppt/slides/slide7.xml><?xml version="1.0" encoding="utf-8"?>
+<p:sld xmlns:a="http://schemas.openxmlformats.org/drawingml/2006/main" xmlns:r="http://schemas.openxmlformats.org/officeDocument/2006/relationships" xmlns:p="http://schemas.openxmlformats.org/presentationml/2006/main">
+  <p:cSld>
+    <p:spTree>
+      <p:nvGrpSpPr>
+        <p:cNvPr id="1" name=""/>
+        <p:cNvGrpSpPr/>
+        <p:nvPr/>
+      </p:nvGrpSpPr>
+      <p:grpSpPr>
+        <a:xfrm>
+          <a:off x="0" y="0"/>
+          <a:ext cx="0" cy="0"/>
+          <a:chOff x="0" y="0"/>
+          <a:chExt cx="0" cy="0"/>
+        </a:xfrm>
+      </p:grpSpPr>
+      <p:sp>
+        <p:nvSpPr>
+          <p:cNvPr id="2" name="Title 1">
+            <a:extLst>
+              <a:ext uri="{FF2B5EF4-FFF2-40B4-BE49-F238E27FC236}">
+                <a16:creationId xmlns:a16="http://schemas.microsoft.com/office/drawing/2014/main" id="{2A3C9554-6A87-A7FB-24BE-D93FF7343657}"/>
+              </a:ext>
+            </a:extLst>
+          </p:cNvPr>
+          <p:cNvSpPr>
+            <a:spLocks noGrp="1"/>
+          </p:cNvSpPr>
+          <p:nvPr>
+            <p:ph type="title"/>
+          </p:nvPr>
+        </p:nvSpPr>
+        <p:spPr/>
+        <p:txBody>
+          <a:bodyPr/>
+          <a:lstStyle/>
+          <a:p>
+            <a:r>
+              <a:rPr lang="en-US" dirty="0"/>
+              <a:t>Commuting matrix</a:t>
+            </a:r>
+          </a:p>
+        </p:txBody>
+      </p:sp>
+      <mc:AlternateContent xmlns:mc="http://schemas.openxmlformats.org/markup-compatibility/2006" xmlns:a14="http://schemas.microsoft.com/office/drawing/2010/main">
+        <mc:Choice Requires="a14">
+          <p:sp>
+            <p:nvSpPr>
+              <p:cNvPr id="3" name="Content Placeholder 2">
+                <a:extLst>
+                  <a:ext uri="{FF2B5EF4-FFF2-40B4-BE49-F238E27FC236}">
+                    <a16:creationId xmlns:a16="http://schemas.microsoft.com/office/drawing/2014/main" id="{3A1DC1D7-7239-3768-8518-0464BB65F923}"/>
+                  </a:ext>
+                </a:extLst>
+              </p:cNvPr>
+              <p:cNvSpPr>
+                <a:spLocks noGrp="1"/>
+              </p:cNvSpPr>
+              <p:nvPr>
+                <p:ph idx="1"/>
+              </p:nvPr>
+            </p:nvSpPr>
+            <p:spPr/>
+            <p:txBody>
+              <a:bodyPr/>
+              <a:lstStyle/>
+              <a:p>
+                <a:r>
+                  <a:rPr lang="en-US" dirty="0"/>
+                  <a:t>A </a:t>
+                </a:r>
+                <a14:m>
+                  <m:oMath xmlns:m="http://schemas.openxmlformats.org/officeDocument/2006/math">
+                    <m:r>
+                      <a:rPr lang="en-CA" i="1">
+                        <a:latin typeface="Cambria Math" panose="02040503050406030204" pitchFamily="18" charset="0"/>
+                      </a:rPr>
+                      <m:t>5</m:t>
+                    </m:r>
+                    <m:r>
+                      <a:rPr lang="en-CA" b="0" i="1" smtClean="0">
+                        <a:latin typeface="Cambria Math" panose="02040503050406030204" pitchFamily="18" charset="0"/>
+                      </a:rPr>
+                      <m:t>28 × 528</m:t>
+                    </m:r>
+                  </m:oMath>
+                </a14:m>
+                <a:r>
+                  <a:rPr lang="en-US" dirty="0"/>
+                  <a:t> matrix.</a:t>
+                </a:r>
+              </a:p>
+              <a:p>
+                <a:r>
+                  <a:rPr lang="en-US" dirty="0"/>
+                  <a:t>Each row represents a county of residence</a:t>
+                </a:r>
+              </a:p>
+              <a:p>
+                <a:r>
+                  <a:rPr lang="en-US" dirty="0"/>
+                  <a:t>Each column represents a county of work</a:t>
+                </a:r>
+              </a:p>
+              <a:p>
+                <a:endParaRPr lang="en-US" dirty="0"/>
+              </a:p>
+            </p:txBody>
+          </p:sp>
+        </mc:Choice>
+        <mc:Fallback xmlns="">
+          <p:sp>
+            <p:nvSpPr>
+              <p:cNvPr id="3" name="Content Placeholder 2">
+                <a:extLst>
+                  <a:ext uri="{FF2B5EF4-FFF2-40B4-BE49-F238E27FC236}">
+                    <a16:creationId xmlns:a16="http://schemas.microsoft.com/office/drawing/2014/main" id="{3A1DC1D7-7239-3768-8518-0464BB65F923}"/>
+                  </a:ext>
+                </a:extLst>
+              </p:cNvPr>
+              <p:cNvSpPr>
+                <a:spLocks noGrp="1" noRot="1" noChangeAspect="1" noMove="1" noResize="1" noEditPoints="1" noAdjustHandles="1" noChangeArrowheads="1" noChangeShapeType="1" noTextEdit="1"/>
+              </p:cNvSpPr>
+              <p:nvPr>
+                <p:ph idx="1"/>
+              </p:nvPr>
+            </p:nvSpPr>
+            <p:spPr>
+              <a:blipFill>
+                <a:blip r:embed="rId2"/>
+                <a:stretch>
+                  <a:fillRect l="-1086" t="-2326"/>
                 </a:stretch>
               </a:blipFill>
             </p:spPr>
@@ -7924,7 +7621,444 @@
     </p:spTree>
     <p:extLst>
       <p:ext uri="{BB962C8B-B14F-4D97-AF65-F5344CB8AC3E}">
-        <p14:creationId xmlns:p14="http://schemas.microsoft.com/office/powerpoint/2010/main" val="4267190613"/>
+        <p14:creationId xmlns:p14="http://schemas.microsoft.com/office/powerpoint/2010/main" val="2894950715"/>
+      </p:ext>
+    </p:extLst>
+  </p:cSld>
+  <p:clrMapOvr>
+    <a:masterClrMapping/>
+  </p:clrMapOvr>
+</p:sld>
+</file>
+
+<file path=ppt/slides/slide8.xml><?xml version="1.0" encoding="utf-8"?>
+<p:sld xmlns:a="http://schemas.openxmlformats.org/drawingml/2006/main" xmlns:r="http://schemas.openxmlformats.org/officeDocument/2006/relationships" xmlns:p="http://schemas.openxmlformats.org/presentationml/2006/main">
+  <p:cSld>
+    <p:spTree>
+      <p:nvGrpSpPr>
+        <p:cNvPr id="1" name=""/>
+        <p:cNvGrpSpPr/>
+        <p:nvPr/>
+      </p:nvGrpSpPr>
+      <p:grpSpPr>
+        <a:xfrm>
+          <a:off x="0" y="0"/>
+          <a:ext cx="0" cy="0"/>
+          <a:chOff x="0" y="0"/>
+          <a:chExt cx="0" cy="0"/>
+        </a:xfrm>
+      </p:grpSpPr>
+      <p:sp>
+        <p:nvSpPr>
+          <p:cNvPr id="2" name="Title 1">
+            <a:extLst>
+              <a:ext uri="{FF2B5EF4-FFF2-40B4-BE49-F238E27FC236}">
+                <a16:creationId xmlns:a16="http://schemas.microsoft.com/office/drawing/2014/main" id="{5DF3C8B7-137F-809B-F388-2F716EAC54F7}"/>
+              </a:ext>
+            </a:extLst>
+          </p:cNvPr>
+          <p:cNvSpPr>
+            <a:spLocks noGrp="1"/>
+          </p:cNvSpPr>
+          <p:nvPr>
+            <p:ph type="title"/>
+          </p:nvPr>
+        </p:nvSpPr>
+        <p:spPr/>
+        <p:txBody>
+          <a:bodyPr/>
+          <a:lstStyle/>
+          <a:p>
+            <a:r>
+              <a:rPr lang="en-US" dirty="0"/>
+              <a:t>A simpler view</a:t>
+            </a:r>
+          </a:p>
+        </p:txBody>
+      </p:sp>
+      <p:sp>
+        <p:nvSpPr>
+          <p:cNvPr id="3" name="Content Placeholder 2">
+            <a:extLst>
+              <a:ext uri="{FF2B5EF4-FFF2-40B4-BE49-F238E27FC236}">
+                <a16:creationId xmlns:a16="http://schemas.microsoft.com/office/drawing/2014/main" id="{F6CA4956-BF0E-09ED-14FC-862907ABBBDC}"/>
+              </a:ext>
+            </a:extLst>
+          </p:cNvPr>
+          <p:cNvSpPr>
+            <a:spLocks noGrp="1"/>
+          </p:cNvSpPr>
+          <p:nvPr>
+            <p:ph idx="1"/>
+          </p:nvPr>
+        </p:nvSpPr>
+        <p:spPr/>
+        <p:txBody>
+          <a:bodyPr/>
+          <a:lstStyle/>
+          <a:p>
+            <a:r>
+              <a:rPr lang="en-US" dirty="0"/>
+              <a:t>Let’s consider the case where there are only three counties.</a:t>
+            </a:r>
+          </a:p>
+          <a:p>
+            <a:r>
+              <a:rPr lang="en-US" dirty="0"/>
+              <a:t>Here, we know</a:t>
+            </a:r>
+          </a:p>
+          <a:p>
+            <a:r>
+              <a:rPr lang="en-US" dirty="0"/>
+              <a:t>No. people live &amp; work in Toronto: 10000</a:t>
+            </a:r>
+          </a:p>
+          <a:p>
+            <a:r>
+              <a:rPr lang="en-US" dirty="0"/>
+              <a:t>No. people live in Toronto &amp; work in Markham:”</a:t>
+            </a:r>
+          </a:p>
+          <a:p>
+            <a:pPr marL="0" indent="0">
+              <a:buNone/>
+            </a:pPr>
+            <a:r>
+              <a:rPr lang="en-US" dirty="0"/>
+              <a:t>2000</a:t>
+            </a:r>
+          </a:p>
+          <a:p>
+            <a:pPr marL="0" indent="0">
+              <a:buNone/>
+            </a:pPr>
+            <a:r>
+              <a:rPr lang="en-US" dirty="0"/>
+              <a:t>Etc.</a:t>
+            </a:r>
+          </a:p>
+          <a:p>
+            <a:pPr marL="0" indent="0">
+              <a:buNone/>
+            </a:pPr>
+            <a:endParaRPr lang="en-US" dirty="0"/>
+          </a:p>
+        </p:txBody>
+      </p:sp>
+      <p:sp>
+        <p:nvSpPr>
+          <p:cNvPr id="4" name="Oval 3">
+            <a:extLst>
+              <a:ext uri="{FF2B5EF4-FFF2-40B4-BE49-F238E27FC236}">
+                <a16:creationId xmlns:a16="http://schemas.microsoft.com/office/drawing/2014/main" id="{95D29FFB-FE93-CC20-4F19-417195E01A23}"/>
+              </a:ext>
+            </a:extLst>
+          </p:cNvPr>
+          <p:cNvSpPr/>
+          <p:nvPr/>
+        </p:nvSpPr>
+        <p:spPr>
+          <a:xfrm>
+            <a:off x="8315605" y="2704017"/>
+            <a:ext cx="1563985" cy="1561340"/>
+          </a:xfrm>
+          <a:prstGeom prst="ellipse">
+            <a:avLst/>
+          </a:prstGeom>
+        </p:spPr>
+        <p:style>
+          <a:lnRef idx="2">
+            <a:schemeClr val="accent1">
+              <a:shade val="50000"/>
+            </a:schemeClr>
+          </a:lnRef>
+          <a:fillRef idx="1">
+            <a:schemeClr val="accent1"/>
+          </a:fillRef>
+          <a:effectRef idx="0">
+            <a:schemeClr val="accent1"/>
+          </a:effectRef>
+          <a:fontRef idx="minor">
+            <a:schemeClr val="lt1"/>
+          </a:fontRef>
+        </p:style>
+        <p:txBody>
+          <a:bodyPr rtlCol="0" anchor="ctr"/>
+          <a:lstStyle/>
+          <a:p>
+            <a:pPr algn="ctr"/>
+            <a:r>
+              <a:rPr lang="en-US" dirty="0"/>
+              <a:t>Toronto</a:t>
+            </a:r>
+          </a:p>
+        </p:txBody>
+      </p:sp>
+      <p:sp>
+        <p:nvSpPr>
+          <p:cNvPr id="8" name="Oval 7">
+            <a:extLst>
+              <a:ext uri="{FF2B5EF4-FFF2-40B4-BE49-F238E27FC236}">
+                <a16:creationId xmlns:a16="http://schemas.microsoft.com/office/drawing/2014/main" id="{FE43BAAB-02B4-21A2-0383-D6658488DB1D}"/>
+              </a:ext>
+            </a:extLst>
+          </p:cNvPr>
+          <p:cNvSpPr/>
+          <p:nvPr/>
+        </p:nvSpPr>
+        <p:spPr>
+          <a:xfrm>
+            <a:off x="7251172" y="4477871"/>
+            <a:ext cx="1563985" cy="1561340"/>
+          </a:xfrm>
+          <a:prstGeom prst="ellipse">
+            <a:avLst/>
+          </a:prstGeom>
+        </p:spPr>
+        <p:style>
+          <a:lnRef idx="2">
+            <a:schemeClr val="accent1">
+              <a:shade val="50000"/>
+            </a:schemeClr>
+          </a:lnRef>
+          <a:fillRef idx="1">
+            <a:schemeClr val="accent1"/>
+          </a:fillRef>
+          <a:effectRef idx="0">
+            <a:schemeClr val="accent1"/>
+          </a:effectRef>
+          <a:fontRef idx="minor">
+            <a:schemeClr val="lt1"/>
+          </a:fontRef>
+        </p:style>
+        <p:txBody>
+          <a:bodyPr rtlCol="0" anchor="ctr"/>
+          <a:lstStyle/>
+          <a:p>
+            <a:pPr algn="ctr"/>
+            <a:r>
+              <a:rPr lang="en-US" dirty="0"/>
+              <a:t>Markham</a:t>
+            </a:r>
+          </a:p>
+        </p:txBody>
+      </p:sp>
+      <p:sp>
+        <p:nvSpPr>
+          <p:cNvPr id="10" name="Oval 9">
+            <a:extLst>
+              <a:ext uri="{FF2B5EF4-FFF2-40B4-BE49-F238E27FC236}">
+                <a16:creationId xmlns:a16="http://schemas.microsoft.com/office/drawing/2014/main" id="{4282B167-90EF-564B-5F77-AF46BB6FE185}"/>
+              </a:ext>
+            </a:extLst>
+          </p:cNvPr>
+          <p:cNvSpPr/>
+          <p:nvPr/>
+        </p:nvSpPr>
+        <p:spPr>
+          <a:xfrm>
+            <a:off x="9417041" y="4477871"/>
+            <a:ext cx="1563985" cy="1561340"/>
+          </a:xfrm>
+          <a:prstGeom prst="ellipse">
+            <a:avLst/>
+          </a:prstGeom>
+        </p:spPr>
+        <p:style>
+          <a:lnRef idx="2">
+            <a:schemeClr val="accent1">
+              <a:shade val="50000"/>
+            </a:schemeClr>
+          </a:lnRef>
+          <a:fillRef idx="1">
+            <a:schemeClr val="accent1"/>
+          </a:fillRef>
+          <a:effectRef idx="0">
+            <a:schemeClr val="accent1"/>
+          </a:effectRef>
+          <a:fontRef idx="minor">
+            <a:schemeClr val="lt1"/>
+          </a:fontRef>
+        </p:style>
+        <p:txBody>
+          <a:bodyPr rtlCol="0" anchor="ctr"/>
+          <a:lstStyle/>
+          <a:p>
+            <a:pPr algn="ctr"/>
+            <a:r>
+              <a:rPr lang="en-US" dirty="0"/>
+              <a:t>North York</a:t>
+            </a:r>
+          </a:p>
+        </p:txBody>
+      </p:sp>
+      <p:cxnSp>
+        <p:nvCxnSpPr>
+          <p:cNvPr id="14" name="Straight Arrow Connector 13">
+            <a:extLst>
+              <a:ext uri="{FF2B5EF4-FFF2-40B4-BE49-F238E27FC236}">
+                <a16:creationId xmlns:a16="http://schemas.microsoft.com/office/drawing/2014/main" id="{AD94BC77-20B7-940F-4001-2654ED4D9341}"/>
+              </a:ext>
+            </a:extLst>
+          </p:cNvPr>
+          <p:cNvCxnSpPr>
+            <a:cxnSpLocks/>
+            <a:stCxn id="4" idx="5"/>
+            <a:endCxn id="10" idx="0"/>
+          </p:cNvCxnSpPr>
+          <p:nvPr/>
+        </p:nvCxnSpPr>
+        <p:spPr>
+          <a:xfrm>
+            <a:off x="9650550" y="4036704"/>
+            <a:ext cx="548484" cy="441167"/>
+          </a:xfrm>
+          <a:prstGeom prst="straightConnector1">
+            <a:avLst/>
+          </a:prstGeom>
+          <a:ln>
+            <a:headEnd type="triangle"/>
+            <a:tailEnd type="triangle"/>
+          </a:ln>
+        </p:spPr>
+        <p:style>
+          <a:lnRef idx="3">
+            <a:schemeClr val="dk1"/>
+          </a:lnRef>
+          <a:fillRef idx="0">
+            <a:schemeClr val="dk1"/>
+          </a:fillRef>
+          <a:effectRef idx="2">
+            <a:schemeClr val="dk1"/>
+          </a:effectRef>
+          <a:fontRef idx="minor">
+            <a:schemeClr val="tx1"/>
+          </a:fontRef>
+        </p:style>
+      </p:cxnSp>
+      <p:cxnSp>
+        <p:nvCxnSpPr>
+          <p:cNvPr id="16" name="Straight Arrow Connector 15">
+            <a:extLst>
+              <a:ext uri="{FF2B5EF4-FFF2-40B4-BE49-F238E27FC236}">
+                <a16:creationId xmlns:a16="http://schemas.microsoft.com/office/drawing/2014/main" id="{48ABC956-6175-45BD-1B1B-D2010033923C}"/>
+              </a:ext>
+            </a:extLst>
+          </p:cNvPr>
+          <p:cNvCxnSpPr>
+            <a:cxnSpLocks/>
+            <a:stCxn id="8" idx="6"/>
+            <a:endCxn id="10" idx="2"/>
+          </p:cNvCxnSpPr>
+          <p:nvPr/>
+        </p:nvCxnSpPr>
+        <p:spPr>
+          <a:xfrm>
+            <a:off x="8815157" y="5258541"/>
+            <a:ext cx="601884" cy="0"/>
+          </a:xfrm>
+          <a:prstGeom prst="straightConnector1">
+            <a:avLst/>
+          </a:prstGeom>
+          <a:ln>
+            <a:headEnd type="triangle"/>
+            <a:tailEnd type="triangle"/>
+          </a:ln>
+        </p:spPr>
+        <p:style>
+          <a:lnRef idx="3">
+            <a:schemeClr val="dk1"/>
+          </a:lnRef>
+          <a:fillRef idx="0">
+            <a:schemeClr val="dk1"/>
+          </a:fillRef>
+          <a:effectRef idx="2">
+            <a:schemeClr val="dk1"/>
+          </a:effectRef>
+          <a:fontRef idx="minor">
+            <a:schemeClr val="tx1"/>
+          </a:fontRef>
+        </p:style>
+      </p:cxnSp>
+      <p:cxnSp>
+        <p:nvCxnSpPr>
+          <p:cNvPr id="19" name="Straight Arrow Connector 18">
+            <a:extLst>
+              <a:ext uri="{FF2B5EF4-FFF2-40B4-BE49-F238E27FC236}">
+                <a16:creationId xmlns:a16="http://schemas.microsoft.com/office/drawing/2014/main" id="{8D50DDAE-52F1-4976-F1DA-0B61624180FE}"/>
+              </a:ext>
+            </a:extLst>
+          </p:cNvPr>
+          <p:cNvCxnSpPr>
+            <a:cxnSpLocks/>
+            <a:stCxn id="4" idx="3"/>
+            <a:endCxn id="8" idx="0"/>
+          </p:cNvCxnSpPr>
+          <p:nvPr/>
+        </p:nvCxnSpPr>
+        <p:spPr>
+          <a:xfrm flipH="1">
+            <a:off x="8033165" y="4036704"/>
+            <a:ext cx="511480" cy="441167"/>
+          </a:xfrm>
+          <a:prstGeom prst="straightConnector1">
+            <a:avLst/>
+          </a:prstGeom>
+          <a:ln>
+            <a:headEnd type="triangle"/>
+            <a:tailEnd type="triangle"/>
+          </a:ln>
+        </p:spPr>
+        <p:style>
+          <a:lnRef idx="3">
+            <a:schemeClr val="dk1"/>
+          </a:lnRef>
+          <a:fillRef idx="0">
+            <a:schemeClr val="dk1"/>
+          </a:fillRef>
+          <a:effectRef idx="2">
+            <a:schemeClr val="dk1"/>
+          </a:effectRef>
+          <a:fontRef idx="minor">
+            <a:schemeClr val="tx1"/>
+          </a:fontRef>
+        </p:style>
+      </p:cxnSp>
+      <p:pic>
+        <p:nvPicPr>
+          <p:cNvPr id="23" name="Picture 22">
+            <a:extLst>
+              <a:ext uri="{FF2B5EF4-FFF2-40B4-BE49-F238E27FC236}">
+                <a16:creationId xmlns:a16="http://schemas.microsoft.com/office/drawing/2014/main" id="{7C694B65-D58C-09EC-EF92-B8F286312976}"/>
+              </a:ext>
+            </a:extLst>
+          </p:cNvPr>
+          <p:cNvPicPr>
+            <a:picLocks noChangeAspect="1"/>
+          </p:cNvPicPr>
+          <p:nvPr/>
+        </p:nvPicPr>
+        <p:blipFill>
+          <a:blip r:embed="rId2"/>
+          <a:stretch>
+            <a:fillRect/>
+          </a:stretch>
+        </p:blipFill>
+        <p:spPr>
+          <a:xfrm>
+            <a:off x="7735350" y="54576"/>
+            <a:ext cx="4043895" cy="1771049"/>
+          </a:xfrm>
+          <a:prstGeom prst="rect">
+            <a:avLst/>
+          </a:prstGeom>
+        </p:spPr>
+      </p:pic>
+    </p:spTree>
+    <p:extLst>
+      <p:ext uri="{BB962C8B-B14F-4D97-AF65-F5344CB8AC3E}">
+        <p14:creationId xmlns:p14="http://schemas.microsoft.com/office/powerpoint/2010/main" val="2985603208"/>
       </p:ext>
     </p:extLst>
   </p:cSld>
